--- a/secure-coding/slides/delivery/09__Angular-oauth.pptx
+++ b/secure-coding/slides/delivery/09__Angular-oauth.pptx
@@ -1,64 +1,64 @@
 
 <file path=ppt/presentation.xml><?xml version="1.0" encoding="utf-8"?>
-<p:presentation xmlns:a="http://schemas.openxmlformats.org/drawingml/2006/main" xmlns:r="http://schemas.openxmlformats.org/officeDocument/2006/relationships" xmlns:p="http://schemas.openxmlformats.org/presentationml/2006/main" showSpecialPlsOnTitleSld="0" saveSubsetFonts="1" autoCompressPictures="0">
+<p:presentation xmlns:a="http://schemas.openxmlformats.org/drawingml/2006/main" xmlns:r="http://schemas.openxmlformats.org/officeDocument/2006/relationships" xmlns:p="http://schemas.openxmlformats.org/presentationml/2006/main" showSpecialPlsOnTitleSld="0" autoCompressPictures="0">
   <p:sldMasterIdLst>
-    <p:sldMasterId id="2147483651" r:id="rId1"/>
+    <p:sldMasterId id="2147483648" r:id="rId1"/>
   </p:sldMasterIdLst>
   <p:notesMasterIdLst>
-    <p:notesMasterId r:id="rId2"/>
+    <p:notesMasterId r:id="rId49"/>
   </p:notesMasterIdLst>
   <p:handoutMasterIdLst>
-    <p:handoutMasterId r:id="rId3"/>
+    <p:handoutMasterId r:id="rId50"/>
   </p:handoutMasterIdLst>
   <p:sldIdLst>
-    <p:sldId id="256" r:id="rId9"/>
-    <p:sldId id="257" r:id="rId10"/>
-    <p:sldId id="258" r:id="rId11"/>
-    <p:sldId id="259" r:id="rId12"/>
-    <p:sldId id="260" r:id="rId13"/>
-    <p:sldId id="261" r:id="rId14"/>
-    <p:sldId id="262" r:id="rId15"/>
-    <p:sldId id="263" r:id="rId16"/>
-    <p:sldId id="264" r:id="rId17"/>
-    <p:sldId id="265" r:id="rId18"/>
-    <p:sldId id="266" r:id="rId19"/>
-    <p:sldId id="267" r:id="rId20"/>
-    <p:sldId id="268" r:id="rId21"/>
-    <p:sldId id="269" r:id="rId22"/>
-    <p:sldId id="270" r:id="rId23"/>
-    <p:sldId id="271" r:id="rId24"/>
-    <p:sldId id="272" r:id="rId25"/>
-    <p:sldId id="273" r:id="rId26"/>
-    <p:sldId id="274" r:id="rId27"/>
-    <p:sldId id="275" r:id="rId28"/>
-    <p:sldId id="276" r:id="rId29"/>
-    <p:sldId id="277" r:id="rId30"/>
-    <p:sldId id="278" r:id="rId31"/>
-    <p:sldId id="279" r:id="rId32"/>
-    <p:sldId id="280" r:id="rId33"/>
-    <p:sldId id="281" r:id="rId34"/>
-    <p:sldId id="282" r:id="rId35"/>
-    <p:sldId id="283" r:id="rId36"/>
-    <p:sldId id="284" r:id="rId37"/>
-    <p:sldId id="285" r:id="rId38"/>
-    <p:sldId id="286" r:id="rId39"/>
-    <p:sldId id="287" r:id="rId40"/>
-    <p:sldId id="288" r:id="rId41"/>
-    <p:sldId id="289" r:id="rId42"/>
-    <p:sldId id="290" r:id="rId43"/>
-    <p:sldId id="291" r:id="rId44"/>
-    <p:sldId id="292" r:id="rId45"/>
-    <p:sldId id="293" r:id="rId46"/>
-    <p:sldId id="294" r:id="rId47"/>
-    <p:sldId id="295" r:id="rId48"/>
-    <p:sldId id="296" r:id="rId49"/>
-    <p:sldId id="297" r:id="rId50"/>
-    <p:sldId id="298" r:id="rId51"/>
-    <p:sldId id="299" r:id="rId52"/>
-    <p:sldId id="300" r:id="rId53"/>
-    <p:sldId id="301" r:id="rId54"/>
+    <p:sldId id="256" r:id="rId3"/>
+    <p:sldId id="257" r:id="rId4"/>
+    <p:sldId id="258" r:id="rId5"/>
+    <p:sldId id="259" r:id="rId6"/>
+    <p:sldId id="260" r:id="rId7"/>
+    <p:sldId id="261" r:id="rId8"/>
+    <p:sldId id="262" r:id="rId9"/>
+    <p:sldId id="263" r:id="rId10"/>
+    <p:sldId id="264" r:id="rId11"/>
+    <p:sldId id="265" r:id="rId12"/>
+    <p:sldId id="266" r:id="rId13"/>
+    <p:sldId id="267" r:id="rId14"/>
+    <p:sldId id="268" r:id="rId15"/>
+    <p:sldId id="269" r:id="rId16"/>
+    <p:sldId id="270" r:id="rId17"/>
+    <p:sldId id="271" r:id="rId18"/>
+    <p:sldId id="272" r:id="rId19"/>
+    <p:sldId id="273" r:id="rId20"/>
+    <p:sldId id="274" r:id="rId21"/>
+    <p:sldId id="275" r:id="rId22"/>
+    <p:sldId id="276" r:id="rId23"/>
+    <p:sldId id="277" r:id="rId24"/>
+    <p:sldId id="278" r:id="rId25"/>
+    <p:sldId id="279" r:id="rId26"/>
+    <p:sldId id="280" r:id="rId27"/>
+    <p:sldId id="281" r:id="rId28"/>
+    <p:sldId id="282" r:id="rId29"/>
+    <p:sldId id="283" r:id="rId30"/>
+    <p:sldId id="284" r:id="rId31"/>
+    <p:sldId id="285" r:id="rId32"/>
+    <p:sldId id="286" r:id="rId33"/>
+    <p:sldId id="287" r:id="rId34"/>
+    <p:sldId id="288" r:id="rId35"/>
+    <p:sldId id="289" r:id="rId36"/>
+    <p:sldId id="290" r:id="rId37"/>
+    <p:sldId id="291" r:id="rId38"/>
+    <p:sldId id="292" r:id="rId39"/>
+    <p:sldId id="293" r:id="rId40"/>
+    <p:sldId id="294" r:id="rId41"/>
+    <p:sldId id="295" r:id="rId42"/>
+    <p:sldId id="296" r:id="rId43"/>
+    <p:sldId id="297" r:id="rId44"/>
+    <p:sldId id="298" r:id="rId45"/>
+    <p:sldId id="299" r:id="rId46"/>
+    <p:sldId id="300" r:id="rId47"/>
+    <p:sldId id="301" r:id="rId48"/>
   </p:sldIdLst>
-  <p:sldSz cx="9372600" cy="8297863"/>
+  <p:sldSz cx="9372600" cy="8297545"/>
   <p:notesSz cx="7315200" cy="9601200"/>
   <p:defaultTextStyle>
     <a:defPPr>
@@ -76,8 +76,8 @@
           <a:schemeClr val="tx1"/>
         </a:solidFill>
         <a:latin typeface="Garamond" pitchFamily="18" charset="0"/>
-        <a:ea typeface="ＭＳ Ｐゴシック"/>
-        <a:cs typeface="ＭＳ Ｐゴシック"/>
+        <a:ea typeface="MS PGothic"/>
+        <a:cs typeface="MS PGothic"/>
       </a:defRPr>
     </a:lvl1pPr>
     <a:lvl2pPr marL="457200" algn="l" rtl="0" fontAlgn="base">
@@ -92,8 +92,8 @@
           <a:schemeClr val="tx1"/>
         </a:solidFill>
         <a:latin typeface="Garamond" pitchFamily="18" charset="0"/>
-        <a:ea typeface="ＭＳ Ｐゴシック"/>
-        <a:cs typeface="ＭＳ Ｐゴシック"/>
+        <a:ea typeface="MS PGothic"/>
+        <a:cs typeface="MS PGothic"/>
       </a:defRPr>
     </a:lvl2pPr>
     <a:lvl3pPr marL="914400" algn="l" rtl="0" fontAlgn="base">
@@ -108,8 +108,8 @@
           <a:schemeClr val="tx1"/>
         </a:solidFill>
         <a:latin typeface="Garamond" pitchFamily="18" charset="0"/>
-        <a:ea typeface="ＭＳ Ｐゴシック"/>
-        <a:cs typeface="ＭＳ Ｐゴシック"/>
+        <a:ea typeface="MS PGothic"/>
+        <a:cs typeface="MS PGothic"/>
       </a:defRPr>
     </a:lvl3pPr>
     <a:lvl4pPr marL="1371600" algn="l" rtl="0" fontAlgn="base">
@@ -124,8 +124,8 @@
           <a:schemeClr val="tx1"/>
         </a:solidFill>
         <a:latin typeface="Garamond" pitchFamily="18" charset="0"/>
-        <a:ea typeface="ＭＳ Ｐゴシック"/>
-        <a:cs typeface="ＭＳ Ｐゴシック"/>
+        <a:ea typeface="MS PGothic"/>
+        <a:cs typeface="MS PGothic"/>
       </a:defRPr>
     </a:lvl4pPr>
     <a:lvl5pPr marL="1828800" algn="l" rtl="0" fontAlgn="base">
@@ -140,8 +140,8 @@
           <a:schemeClr val="tx1"/>
         </a:solidFill>
         <a:latin typeface="Garamond" pitchFamily="18" charset="0"/>
-        <a:ea typeface="ＭＳ Ｐゴシック"/>
-        <a:cs typeface="ＭＳ Ｐゴシック"/>
+        <a:ea typeface="MS PGothic"/>
+        <a:cs typeface="MS PGothic"/>
       </a:defRPr>
     </a:lvl5pPr>
     <a:lvl6pPr marL="2286000" algn="l" defTabSz="914400" rtl="0" eaLnBrk="1" latinLnBrk="0" hangingPunct="1">
@@ -150,8 +150,8 @@
           <a:schemeClr val="tx1"/>
         </a:solidFill>
         <a:latin typeface="Garamond" pitchFamily="18" charset="0"/>
-        <a:ea typeface="ＭＳ Ｐゴシック"/>
-        <a:cs typeface="ＭＳ Ｐゴシック"/>
+        <a:ea typeface="MS PGothic"/>
+        <a:cs typeface="MS PGothic"/>
       </a:defRPr>
     </a:lvl6pPr>
     <a:lvl7pPr marL="2743200" algn="l" defTabSz="914400" rtl="0" eaLnBrk="1" latinLnBrk="0" hangingPunct="1">
@@ -160,8 +160,8 @@
           <a:schemeClr val="tx1"/>
         </a:solidFill>
         <a:latin typeface="Garamond" pitchFamily="18" charset="0"/>
-        <a:ea typeface="ＭＳ Ｐゴシック"/>
-        <a:cs typeface="ＭＳ Ｐゴシック"/>
+        <a:ea typeface="MS PGothic"/>
+        <a:cs typeface="MS PGothic"/>
       </a:defRPr>
     </a:lvl7pPr>
     <a:lvl8pPr marL="3200400" algn="l" defTabSz="914400" rtl="0" eaLnBrk="1" latinLnBrk="0" hangingPunct="1">
@@ -170,8 +170,8 @@
           <a:schemeClr val="tx1"/>
         </a:solidFill>
         <a:latin typeface="Garamond" pitchFamily="18" charset="0"/>
-        <a:ea typeface="ＭＳ Ｐゴシック"/>
-        <a:cs typeface="ＭＳ Ｐゴシック"/>
+        <a:ea typeface="MS PGothic"/>
+        <a:cs typeface="MS PGothic"/>
       </a:defRPr>
     </a:lvl8pPr>
     <a:lvl9pPr marL="3657600" algn="l" defTabSz="914400" rtl="0" eaLnBrk="1" latinLnBrk="0" hangingPunct="1">
@@ -180,41 +180,11 @@
           <a:schemeClr val="tx1"/>
         </a:solidFill>
         <a:latin typeface="Garamond" pitchFamily="18" charset="0"/>
-        <a:ea typeface="ＭＳ Ｐゴシック"/>
-        <a:cs typeface="ＭＳ Ｐゴシック"/>
+        <a:ea typeface="MS PGothic"/>
+        <a:cs typeface="MS PGothic"/>
       </a:defRPr>
     </a:lvl9pPr>
   </p:defaultTextStyle>
-  <p:extLst>
-    <p:ext uri="{EFAFB233-063F-42B5-8137-9DF3F51BA10A}">
-      <p15:sldGuideLst xmlns:p15="http://schemas.microsoft.com/office/powerpoint/2012/main">
-        <p15:guide id="1" orient="horz" pos="2614" userDrawn="1">
-          <p15:clr>
-            <a:srgbClr val="A4A3A4"/>
-          </p15:clr>
-        </p15:guide>
-        <p15:guide id="2" pos="2952" userDrawn="1">
-          <p15:clr>
-            <a:srgbClr val="A4A3A4"/>
-          </p15:clr>
-        </p15:guide>
-      </p15:sldGuideLst>
-    </p:ext>
-    <p:ext uri="{2D200454-40CA-4A62-9FC3-DE9A4176ACB9}">
-      <p15:notesGuideLst xmlns:p15="http://schemas.microsoft.com/office/powerpoint/2012/main">
-        <p15:guide id="1" orient="horz" pos="3024">
-          <p15:clr>
-            <a:srgbClr val="A4A3A4"/>
-          </p15:clr>
-        </p15:guide>
-        <p15:guide id="2" pos="2308">
-          <p15:clr>
-            <a:srgbClr val="A4A3A4"/>
-          </p15:clr>
-        </p15:guide>
-      </p15:notesGuideLst>
-    </p:ext>
-  </p:extLst>
 </p:presentation>
 </file>
 
@@ -224,9 +194,7 @@
   <p:cmAuthor id="2" name="Mark Kerzner" initials="MK" lastIdx="6" clrIdx="1"/>
   <p:cmAuthor id="3" name="Mary Beth Conlee" initials="MBC" lastIdx="7" clrIdx="2"/>
   <p:cmAuthor id="4" name="Michelle" initials="M" lastIdx="5" clrIdx="3"/>
-  <p:cmAuthor id="5" name="Tricia Murphy" initials="TM" lastIdx="4" clrIdx="4">
-    <p:extLst/>
-  </p:cmAuthor>
+  <p:cmAuthor id="5" name="Tricia Murphy" initials="TM" lastIdx="4" clrIdx="4"/>
 </p:cmAuthorLst>
 </file>
 
@@ -277,20 +245,14 @@
           <a:ln w="9525">
             <a:noFill/>
             <a:miter lim="800000"/>
-            <a:headEnd/>
-            <a:tailEnd/>
           </a:ln>
         </p:spPr>
         <p:txBody>
-          <a:bodyPr vert="horz" wrap="square" lIns="96603" tIns="48303" rIns="96603" bIns="48303" numCol="1" anchor="b" anchorCtr="0" compatLnSpc="1">
-            <a:prstTxWarp prst="textNoShape">
-              <a:avLst/>
-            </a:prstTxWarp>
-          </a:bodyPr>
+          <a:bodyPr vert="horz" wrap="square" lIns="96603" tIns="48303" rIns="96603" bIns="48303" numCol="1" anchor="b" anchorCtr="0" compatLnSpc="1"/>
           <a:lstStyle>
             <a:lvl1pPr defTabSz="965200">
               <a:defRPr sz="1200">
-                <a:latin typeface="Times New Roman" pitchFamily="18" charset="0"/>
+                <a:latin typeface="Times New Roman" panose="02020603050405020304" pitchFamily="-110" charset="0"/>
               </a:defRPr>
             </a:lvl1pPr>
           </a:lstStyle>
@@ -302,6 +264,7 @@
               <a:rPr lang="en-US" dirty="0"/>
               <a:t>Copyright © 2017 Elephant Scale. All rights reserved.</a:t>
             </a:r>
+            <a:endParaRPr lang="en-US" dirty="0"/>
           </a:p>
         </p:txBody>
       </p:sp>
@@ -327,20 +290,14 @@
           <a:ln w="9525">
             <a:noFill/>
             <a:miter lim="800000"/>
-            <a:headEnd/>
-            <a:tailEnd/>
           </a:ln>
         </p:spPr>
         <p:txBody>
-          <a:bodyPr vert="horz" wrap="square" lIns="96603" tIns="48303" rIns="96603" bIns="48303" numCol="1" anchor="b" anchorCtr="0" compatLnSpc="1">
-            <a:prstTxWarp prst="textNoShape">
-              <a:avLst/>
-            </a:prstTxWarp>
-          </a:bodyPr>
+          <a:bodyPr vert="horz" wrap="square" lIns="96603" tIns="48303" rIns="96603" bIns="48303" numCol="1" anchor="b" anchorCtr="0" compatLnSpc="1"/>
           <a:lstStyle>
             <a:lvl1pPr algn="r" defTabSz="965200">
               <a:defRPr sz="1200">
-                <a:latin typeface="Times New Roman" pitchFamily="18" charset="0"/>
+                <a:latin typeface="Times New Roman" panose="02020603050405020304" pitchFamily="-110" charset="0"/>
               </a:defRPr>
             </a:lvl1pPr>
           </a:lstStyle>
@@ -350,21 +307,12 @@
             </a:pPr>
             <a:fld id="{97E62689-8C7D-4291-A094-4E689FEC4C3B}" type="slidenum">
               <a:rPr lang="en-US"/>
-              <a:pPr>
-                <a:defRPr/>
-              </a:pPr>
-              <a:t>‹#›</a:t>
             </a:fld>
             <a:endParaRPr lang="en-US" dirty="0"/>
           </a:p>
         </p:txBody>
       </p:sp>
     </p:spTree>
-    <p:extLst>
-      <p:ext uri="{BB962C8B-B14F-4D97-AF65-F5344CB8AC3E}">
-        <p14:creationId xmlns:p14="http://schemas.microsoft.com/office/powerpoint/2010/main" val="3239291525"/>
-      </p:ext>
-    </p:extLst>
   </p:cSld>
   <p:clrMap bg1="lt1" tx1="dk1" bg2="lt2" tx2="dk2" accent1="accent1" accent2="accent2" accent3="accent3" accent4="accent4" accent5="accent5" accent6="accent6" hlink="hlink" folHlink="folHlink"/>
   <p:hf hdr="0" ftr="0" dt="0"/>
@@ -420,8 +368,6 @@
               <a:srgbClr val="000000"/>
             </a:solidFill>
             <a:miter lim="800000"/>
-            <a:headEnd/>
-            <a:tailEnd/>
           </a:ln>
         </p:spPr>
       </p:sp>
@@ -447,21 +393,15 @@
           <a:ln w="9525">
             <a:noFill/>
             <a:miter lim="800000"/>
-            <a:headEnd/>
-            <a:tailEnd/>
           </a:ln>
           <a:effectLst/>
         </p:spPr>
         <p:txBody>
-          <a:bodyPr vert="horz" wrap="square" lIns="0" tIns="0" rIns="0" bIns="0" numCol="1" anchor="b" anchorCtr="1" compatLnSpc="1">
-            <a:prstTxWarp prst="textNoShape">
-              <a:avLst/>
-            </a:prstTxWarp>
-          </a:bodyPr>
+          <a:bodyPr vert="horz" wrap="square" lIns="0" tIns="0" rIns="0" bIns="0" numCol="1" anchor="b" anchorCtr="1" compatLnSpc="1"/>
           <a:lstStyle>
             <a:lvl1pPr algn="ctr" defTabSz="965200" eaLnBrk="0" hangingPunct="0">
               <a:defRPr sz="900">
-                <a:latin typeface="Arial" charset="0"/>
+                <a:latin typeface="Arial" panose="020B0604020202020204" pitchFamily="34" charset="0"/>
               </a:defRPr>
             </a:lvl1pPr>
           </a:lstStyle>
@@ -473,6 +413,7 @@
               <a:rPr lang="en-US" dirty="0"/>
               <a:t>Copyright © 2017 Elephant Scale. All rights reserved.</a:t>
             </a:r>
+            <a:endParaRPr lang="en-US" dirty="0"/>
           </a:p>
         </p:txBody>
       </p:sp>
@@ -498,21 +439,15 @@
           <a:ln w="9525">
             <a:noFill/>
             <a:miter lim="800000"/>
-            <a:headEnd/>
-            <a:tailEnd/>
           </a:ln>
           <a:effectLst/>
         </p:spPr>
         <p:txBody>
-          <a:bodyPr vert="horz" wrap="square" lIns="0" tIns="0" rIns="0" bIns="0" numCol="1" anchor="b" anchorCtr="0" compatLnSpc="1">
-            <a:prstTxWarp prst="textNoShape">
-              <a:avLst/>
-            </a:prstTxWarp>
-          </a:bodyPr>
+          <a:bodyPr vert="horz" wrap="square" lIns="0" tIns="0" rIns="0" bIns="0" numCol="1" anchor="b" anchorCtr="0" compatLnSpc="1"/>
           <a:lstStyle>
             <a:lvl1pPr algn="r" defTabSz="965200" eaLnBrk="0" hangingPunct="0">
               <a:defRPr b="1">
-                <a:latin typeface="Arial" charset="0"/>
+                <a:latin typeface="Arial" panose="020B0604020202020204" pitchFamily="34" charset="0"/>
               </a:defRPr>
             </a:lvl1pPr>
           </a:lstStyle>
@@ -522,10 +457,6 @@
             </a:pPr>
             <a:fld id="{EFAADD5D-AF76-45EE-AA5F-6DAC73BF167A}" type="slidenum">
               <a:rPr lang="en-US"/>
-              <a:pPr>
-                <a:defRPr/>
-              </a:pPr>
-              <a:t>‹#›</a:t>
             </a:fld>
             <a:endParaRPr lang="en-US" dirty="0"/>
           </a:p>
@@ -551,24 +482,26 @@
           <a:ln w="9525">
             <a:noFill/>
             <a:miter lim="800000"/>
-            <a:headEnd/>
-            <a:tailEnd/>
           </a:ln>
         </p:spPr>
         <p:txBody>
           <a:bodyPr wrap="none" lIns="96386" tIns="48194" rIns="96386" bIns="48194"/>
           <a:lstStyle/>
           <a:p>
-            <a:pPr defTabSz="960438">
+            <a:pPr defTabSz="960755">
               <a:defRPr/>
             </a:pPr>
             <a:r>
               <a:rPr lang="en-US" sz="1200" b="1" u="sng" dirty="0">
-                <a:latin typeface="Times New Roman" pitchFamily="18" charset="0"/>
-                <a:cs typeface="Times New Roman" pitchFamily="18" charset="0"/>
+                <a:latin typeface="Times New Roman" panose="02020603050405020304" pitchFamily="-110" charset="0"/>
+                <a:cs typeface="Times New Roman" panose="02020603050405020304" pitchFamily="-110" charset="0"/>
               </a:rPr>
               <a:t>Notes:</a:t>
             </a:r>
+            <a:endParaRPr lang="en-US" sz="1200" b="1" u="sng" dirty="0">
+              <a:latin typeface="Times New Roman" panose="02020603050405020304" pitchFamily="-110" charset="0"/>
+              <a:cs typeface="Times New Roman" panose="02020603050405020304" pitchFamily="-110" charset="0"/>
+            </a:endParaRPr>
           </a:p>
         </p:txBody>
       </p:sp>
@@ -594,16 +527,10 @@
           <a:ln w="9525">
             <a:noFill/>
             <a:miter lim="800000"/>
-            <a:headEnd/>
-            <a:tailEnd/>
           </a:ln>
         </p:spPr>
         <p:txBody>
-          <a:bodyPr vert="horz" wrap="square" lIns="91537" tIns="45768" rIns="91537" bIns="45768" numCol="1" anchor="t" anchorCtr="0" compatLnSpc="1">
-            <a:prstTxWarp prst="textNoShape">
-              <a:avLst/>
-            </a:prstTxWarp>
-          </a:bodyPr>
+          <a:bodyPr vert="horz" wrap="square" lIns="91537" tIns="45768" rIns="91537" bIns="45768" numCol="1" anchor="t" anchorCtr="0" compatLnSpc="1"/>
           <a:lstStyle/>
           <a:p>
             <a:pPr lvl="0"/>
@@ -633,8 +560,6 @@
               <a:srgbClr val="000000"/>
             </a:solidFill>
             <a:round/>
-            <a:headEnd/>
-            <a:tailEnd/>
           </a:ln>
           <a:effectLst/>
         </p:spPr>
@@ -649,7 +574,7 @@
               <a:defRPr/>
             </a:pPr>
             <a:endParaRPr lang="en-US" dirty="0">
-              <a:latin typeface="Garamond" pitchFamily="-110" charset="0"/>
+              <a:latin typeface="Garamond" pitchFamily="18" charset="0"/>
               <a:ea typeface="+mn-ea"/>
               <a:cs typeface="+mn-cs"/>
             </a:endParaRPr>
@@ -657,11 +582,6 @@
         </p:txBody>
       </p:sp>
     </p:spTree>
-    <p:extLst>
-      <p:ext uri="{BB962C8B-B14F-4D97-AF65-F5344CB8AC3E}">
-        <p14:creationId xmlns:p14="http://schemas.microsoft.com/office/powerpoint/2010/main" val="953744030"/>
-      </p:ext>
-    </p:extLst>
   </p:cSld>
   <p:clrMap bg1="lt1" tx1="dk1" bg2="lt2" tx2="dk2" accent1="accent1" accent2="accent2" accent3="accent3" accent4="accent4" accent5="accent5" accent6="accent6" hlink="hlink" folHlink="folHlink"/>
   <p:hf dt="0"/>
@@ -674,15 +594,15 @@
         <a:spcPct val="0"/>
       </a:spcAft>
       <a:buSzPct val="65000"/>
-      <a:buFont typeface="Wingdings" pitchFamily="2" charset="2"/>
+      <a:buFont typeface="Wingdings" panose="05000000000000000000" pitchFamily="2" charset="2"/>
       <a:buNone/>
       <a:defRPr sz="1200" kern="1200">
         <a:solidFill>
           <a:schemeClr val="tx1"/>
         </a:solidFill>
-        <a:latin typeface="Times New Roman" pitchFamily="-110" charset="0"/>
-        <a:ea typeface="ＭＳ Ｐゴシック" pitchFamily="-110" charset="-128"/>
-        <a:cs typeface="ＭＳ Ｐゴシック" pitchFamily="-110" charset="-128"/>
+        <a:latin typeface="Times New Roman" panose="02020603050405020304" pitchFamily="-110" charset="0"/>
+        <a:ea typeface="MS PGothic" pitchFamily="-110" charset="-128"/>
+        <a:cs typeface="MS PGothic" pitchFamily="-110" charset="-128"/>
       </a:defRPr>
     </a:lvl1pPr>
     <a:lvl2pPr marL="282575" indent="0" algn="l" rtl="0" eaLnBrk="0" fontAlgn="base" hangingPunct="0">
@@ -697,12 +617,12 @@
         <a:solidFill>
           <a:schemeClr val="tx1"/>
         </a:solidFill>
-        <a:latin typeface="Times New Roman" pitchFamily="-110" charset="0"/>
-        <a:ea typeface="ＭＳ Ｐゴシック" pitchFamily="-110" charset="-128"/>
-        <a:cs typeface="ＭＳ Ｐゴシック"/>
+        <a:latin typeface="Times New Roman" panose="02020603050405020304" pitchFamily="-110" charset="0"/>
+        <a:ea typeface="MS PGothic" pitchFamily="-110" charset="-128"/>
+        <a:cs typeface="MS PGothic"/>
       </a:defRPr>
     </a:lvl2pPr>
-    <a:lvl3pPr marL="744538" indent="-173038" algn="l" rtl="0" eaLnBrk="0" fontAlgn="base" hangingPunct="0">
+    <a:lvl3pPr marL="744855" indent="-173355" algn="l" rtl="0" eaLnBrk="0" fontAlgn="base" hangingPunct="0">
       <a:spcBef>
         <a:spcPct val="30000"/>
       </a:spcBef>
@@ -714,9 +634,9 @@
         <a:solidFill>
           <a:schemeClr val="tx1"/>
         </a:solidFill>
-        <a:latin typeface="Times New Roman" pitchFamily="-110" charset="0"/>
-        <a:ea typeface="ＭＳ Ｐゴシック" pitchFamily="-110" charset="-128"/>
-        <a:cs typeface="ＭＳ Ｐゴシック"/>
+        <a:latin typeface="Times New Roman" panose="02020603050405020304" pitchFamily="-110" charset="0"/>
+        <a:ea typeface="MS PGothic" pitchFamily="-110" charset="-128"/>
+        <a:cs typeface="MS PGothic"/>
       </a:defRPr>
     </a:lvl3pPr>
     <a:lvl4pPr marL="1600200" indent="-228600" algn="l" rtl="0" eaLnBrk="0" fontAlgn="base" hangingPunct="0">
@@ -730,9 +650,9 @@
         <a:solidFill>
           <a:schemeClr val="tx1"/>
         </a:solidFill>
-        <a:latin typeface="Times New Roman" pitchFamily="-110" charset="0"/>
-        <a:ea typeface="ＭＳ Ｐゴシック" pitchFamily="-110" charset="-128"/>
-        <a:cs typeface="ＭＳ Ｐゴシック"/>
+        <a:latin typeface="Times New Roman" panose="02020603050405020304" pitchFamily="-110" charset="0"/>
+        <a:ea typeface="MS PGothic" pitchFamily="-110" charset="-128"/>
+        <a:cs typeface="MS PGothic"/>
       </a:defRPr>
     </a:lvl4pPr>
     <a:lvl5pPr marL="2057400" indent="-228600" algn="l" rtl="0" eaLnBrk="0" fontAlgn="base" hangingPunct="0">
@@ -746,9 +666,9 @@
         <a:solidFill>
           <a:schemeClr val="tx1"/>
         </a:solidFill>
-        <a:latin typeface="Times New Roman" pitchFamily="-110" charset="0"/>
-        <a:ea typeface="ＭＳ Ｐゴシック" pitchFamily="-110" charset="-128"/>
-        <a:cs typeface="ＭＳ Ｐゴシック"/>
+        <a:latin typeface="Times New Roman" panose="02020603050405020304" pitchFamily="-110" charset="0"/>
+        <a:ea typeface="MS PGothic" pitchFamily="-110" charset="-128"/>
+        <a:cs typeface="MS PGothic"/>
       </a:defRPr>
     </a:lvl5pPr>
     <a:lvl6pPr marL="2286000" algn="l" defTabSz="457200" rtl="0" eaLnBrk="1" latinLnBrk="0" hangingPunct="1">
@@ -796,7 +716,7 @@
 </file>
 
 <file path=ppt/slideLayouts/slideLayout1.xml><?xml version="1.0" encoding="utf-8"?>
-<p:sldLayout xmlns:a="http://schemas.openxmlformats.org/drawingml/2006/main" xmlns:r="http://schemas.openxmlformats.org/officeDocument/2006/relationships" xmlns:p="http://schemas.openxmlformats.org/presentationml/2006/main" showMasterSp="0" type="title" preserve="1">
+<p:sldLayout xmlns:a="http://schemas.openxmlformats.org/drawingml/2006/main" xmlns:r="http://schemas.openxmlformats.org/officeDocument/2006/relationships" xmlns:p="http://schemas.openxmlformats.org/presentationml/2006/main" type="title" preserve="1" showMasterSp="0">
   <p:cSld name="Title Slide">
     <p:bg>
       <p:bgPr>
@@ -831,7 +751,9 @@
         <p:blipFill rotWithShape="1">
           <a:blip r:embed="rId2"/>
           <a:srcRect t="19473"/>
-          <a:stretch/>
+          <a:stretch>
+            <a:fillRect/>
+          </a:stretch>
         </p:blipFill>
         <p:spPr bwMode="auto">
           <a:xfrm>
@@ -882,6 +804,7 @@
               <a:rPr lang="en-US"/>
               <a:t>Click to edit Master subtitle style</a:t>
             </a:r>
+            <a:endParaRPr lang="en-US"/>
           </a:p>
         </p:txBody>
       </p:sp>
@@ -913,6 +836,7 @@
               <a:rPr lang="en-US"/>
               <a:t>Click to edit Master title style</a:t>
             </a:r>
+            <a:endParaRPr lang="en-US"/>
           </a:p>
         </p:txBody>
       </p:sp>
@@ -962,6 +886,7 @@
               <a:rPr lang="en-US" dirty="0"/>
               <a:t>Click to edit Master title style</a:t>
             </a:r>
+            <a:endParaRPr lang="en-US" dirty="0"/>
           </a:p>
         </p:txBody>
       </p:sp>
@@ -985,6 +910,7 @@
               <a:rPr lang="en-US" dirty="0"/>
               <a:t>Click to edit Master text styles</a:t>
             </a:r>
+            <a:endParaRPr lang="en-US" dirty="0"/>
           </a:p>
           <a:p>
             <a:pPr lvl="1"/>
@@ -992,6 +918,7 @@
               <a:rPr lang="en-US" dirty="0"/>
               <a:t>Second level</a:t>
             </a:r>
+            <a:endParaRPr lang="en-US" dirty="0"/>
           </a:p>
           <a:p>
             <a:pPr lvl="2"/>
@@ -999,6 +926,7 @@
               <a:rPr lang="en-US" dirty="0"/>
               <a:t>Third level</a:t>
             </a:r>
+            <a:endParaRPr lang="en-US" dirty="0"/>
           </a:p>
           <a:p>
             <a:pPr lvl="3"/>
@@ -1006,6 +934,7 @@
               <a:rPr lang="en-US" dirty="0"/>
               <a:t>Fourth level</a:t>
             </a:r>
+            <a:endParaRPr lang="en-US" dirty="0"/>
           </a:p>
           <a:p>
             <a:pPr lvl="4"/>
@@ -1013,6 +942,7 @@
               <a:rPr lang="en-US" dirty="0"/>
               <a:t>Fifth level</a:t>
             </a:r>
+            <a:endParaRPr lang="en-US" dirty="0"/>
           </a:p>
         </p:txBody>
       </p:sp>
@@ -1038,6 +968,7 @@
               <a:rPr lang="en-US" dirty="0"/>
               <a:t>Copyright © 2017 Elephant Scale. All rights reserved.</a:t>
             </a:r>
+            <a:endParaRPr lang="en-US" dirty="0"/>
           </a:p>
         </p:txBody>
       </p:sp>
@@ -1061,10 +992,6 @@
             </a:pPr>
             <a:fld id="{77EF9825-4C23-4085-A4E3-B5565466BD91}" type="slidenum">
               <a:rPr lang="en-US" smtClean="0"/>
-              <a:pPr>
-                <a:defRPr/>
-              </a:pPr>
-              <a:t>‹#›</a:t>
             </a:fld>
             <a:endParaRPr lang="en-US" dirty="0"/>
           </a:p>
@@ -1119,6 +1046,7 @@
               <a:rPr lang="en-US"/>
               <a:t>Click to edit Master title style</a:t>
             </a:r>
+            <a:endParaRPr lang="en-US"/>
           </a:p>
         </p:txBody>
       </p:sp>
@@ -1147,6 +1075,7 @@
               <a:rPr lang="en-US"/>
               <a:t>Click to edit Master text styles</a:t>
             </a:r>
+            <a:endParaRPr lang="en-US"/>
           </a:p>
           <a:p>
             <a:pPr lvl="1"/>
@@ -1154,6 +1083,7 @@
               <a:rPr lang="en-US"/>
               <a:t>Second level</a:t>
             </a:r>
+            <a:endParaRPr lang="en-US"/>
           </a:p>
           <a:p>
             <a:pPr lvl="2"/>
@@ -1161,6 +1091,7 @@
               <a:rPr lang="en-US"/>
               <a:t>Third level</a:t>
             </a:r>
+            <a:endParaRPr lang="en-US"/>
           </a:p>
           <a:p>
             <a:pPr lvl="3"/>
@@ -1168,6 +1099,7 @@
               <a:rPr lang="en-US"/>
               <a:t>Fourth level</a:t>
             </a:r>
+            <a:endParaRPr lang="en-US"/>
           </a:p>
           <a:p>
             <a:pPr lvl="4"/>
@@ -1175,6 +1107,7 @@
               <a:rPr lang="en-US"/>
               <a:t>Fifth level</a:t>
             </a:r>
+            <a:endParaRPr lang="en-US"/>
           </a:p>
         </p:txBody>
       </p:sp>
@@ -1203,6 +1136,7 @@
               <a:rPr lang="en-US"/>
               <a:t>Click to edit Master text styles</a:t>
             </a:r>
+            <a:endParaRPr lang="en-US"/>
           </a:p>
           <a:p>
             <a:pPr lvl="1"/>
@@ -1210,6 +1144,7 @@
               <a:rPr lang="en-US"/>
               <a:t>Second level</a:t>
             </a:r>
+            <a:endParaRPr lang="en-US"/>
           </a:p>
           <a:p>
             <a:pPr lvl="2"/>
@@ -1217,6 +1152,7 @@
               <a:rPr lang="en-US"/>
               <a:t>Third level</a:t>
             </a:r>
+            <a:endParaRPr lang="en-US"/>
           </a:p>
           <a:p>
             <a:pPr lvl="3"/>
@@ -1224,6 +1160,7 @@
               <a:rPr lang="en-US"/>
               <a:t>Fourth level</a:t>
             </a:r>
+            <a:endParaRPr lang="en-US"/>
           </a:p>
           <a:p>
             <a:pPr lvl="4"/>
@@ -1231,6 +1168,7 @@
               <a:rPr lang="en-US"/>
               <a:t>Fifth level</a:t>
             </a:r>
+            <a:endParaRPr lang="en-US"/>
           </a:p>
         </p:txBody>
       </p:sp>
@@ -1259,6 +1197,7 @@
               <a:rPr lang="en-US"/>
               <a:t>Click to edit Master text styles</a:t>
             </a:r>
+            <a:endParaRPr lang="en-US"/>
           </a:p>
           <a:p>
             <a:pPr lvl="1"/>
@@ -1266,6 +1205,7 @@
               <a:rPr lang="en-US"/>
               <a:t>Second level</a:t>
             </a:r>
+            <a:endParaRPr lang="en-US"/>
           </a:p>
           <a:p>
             <a:pPr lvl="2"/>
@@ -1273,6 +1213,7 @@
               <a:rPr lang="en-US"/>
               <a:t>Third level</a:t>
             </a:r>
+            <a:endParaRPr lang="en-US"/>
           </a:p>
           <a:p>
             <a:pPr lvl="3"/>
@@ -1280,6 +1221,7 @@
               <a:rPr lang="en-US"/>
               <a:t>Fourth level</a:t>
             </a:r>
+            <a:endParaRPr lang="en-US"/>
           </a:p>
           <a:p>
             <a:pPr lvl="4"/>
@@ -1287,6 +1229,7 @@
               <a:rPr lang="en-US"/>
               <a:t>Fifth level</a:t>
             </a:r>
+            <a:endParaRPr lang="en-US"/>
           </a:p>
         </p:txBody>
       </p:sp>
@@ -1300,9 +1243,7 @@
             <p:ph type="sldNum" sz="quarter" idx="11"/>
           </p:nvPr>
         </p:nvSpPr>
-        <p:spPr>
-          <a:ln/>
-        </p:spPr>
+        <p:spPr/>
         <p:txBody>
           <a:bodyPr/>
           <a:lstStyle>
@@ -1316,10 +1257,6 @@
             </a:pPr>
             <a:fld id="{040E4B02-67B9-4228-B08B-2561CEE6B946}" type="slidenum">
               <a:rPr lang="en-US"/>
-              <a:pPr>
-                <a:defRPr/>
-              </a:pPr>
-              <a:t>‹#›</a:t>
             </a:fld>
             <a:endParaRPr lang="en-US" dirty="0"/>
           </a:p>
@@ -1335,9 +1272,7 @@
             <p:ph type="ftr" sz="quarter" idx="12"/>
           </p:nvPr>
         </p:nvSpPr>
-        <p:spPr>
-          <a:ln/>
-        </p:spPr>
+        <p:spPr/>
         <p:txBody>
           <a:bodyPr/>
           <a:lstStyle>
@@ -1353,6 +1288,7 @@
               <a:rPr lang="en-US" dirty="0"/>
               <a:t>Copyright © 2017 Elephant Scale. All rights reserved.</a:t>
             </a:r>
+            <a:endParaRPr lang="en-US" dirty="0"/>
           </a:p>
         </p:txBody>
       </p:sp>
@@ -1405,6 +1341,7 @@
               <a:rPr lang="en-US"/>
               <a:t>Click to edit Master title style</a:t>
             </a:r>
+            <a:endParaRPr lang="en-US"/>
           </a:p>
         </p:txBody>
       </p:sp>
@@ -1433,6 +1370,7 @@
               <a:rPr lang="en-US"/>
               <a:t>Click to edit Master text styles</a:t>
             </a:r>
+            <a:endParaRPr lang="en-US"/>
           </a:p>
           <a:p>
             <a:pPr lvl="1"/>
@@ -1440,6 +1378,7 @@
               <a:rPr lang="en-US"/>
               <a:t>Second level</a:t>
             </a:r>
+            <a:endParaRPr lang="en-US"/>
           </a:p>
           <a:p>
             <a:pPr lvl="2"/>
@@ -1447,6 +1386,7 @@
               <a:rPr lang="en-US"/>
               <a:t>Third level</a:t>
             </a:r>
+            <a:endParaRPr lang="en-US"/>
           </a:p>
           <a:p>
             <a:pPr lvl="3"/>
@@ -1454,6 +1394,7 @@
               <a:rPr lang="en-US"/>
               <a:t>Fourth level</a:t>
             </a:r>
+            <a:endParaRPr lang="en-US"/>
           </a:p>
           <a:p>
             <a:pPr lvl="4"/>
@@ -1461,6 +1402,7 @@
               <a:rPr lang="en-US"/>
               <a:t>Fifth level</a:t>
             </a:r>
+            <a:endParaRPr lang="en-US"/>
           </a:p>
         </p:txBody>
       </p:sp>
@@ -1489,6 +1431,7 @@
               <a:rPr lang="en-US"/>
               <a:t>Click to edit Master text styles</a:t>
             </a:r>
+            <a:endParaRPr lang="en-US"/>
           </a:p>
           <a:p>
             <a:pPr lvl="1"/>
@@ -1496,6 +1439,7 @@
               <a:rPr lang="en-US"/>
               <a:t>Second level</a:t>
             </a:r>
+            <a:endParaRPr lang="en-US"/>
           </a:p>
           <a:p>
             <a:pPr lvl="2"/>
@@ -1503,6 +1447,7 @@
               <a:rPr lang="en-US"/>
               <a:t>Third level</a:t>
             </a:r>
+            <a:endParaRPr lang="en-US"/>
           </a:p>
           <a:p>
             <a:pPr lvl="3"/>
@@ -1510,6 +1455,7 @@
               <a:rPr lang="en-US"/>
               <a:t>Fourth level</a:t>
             </a:r>
+            <a:endParaRPr lang="en-US"/>
           </a:p>
           <a:p>
             <a:pPr lvl="4"/>
@@ -1517,6 +1463,7 @@
               <a:rPr lang="en-US"/>
               <a:t>Fifth level</a:t>
             </a:r>
+            <a:endParaRPr lang="en-US"/>
           </a:p>
         </p:txBody>
       </p:sp>
@@ -1530,9 +1477,7 @@
             <p:ph type="sldNum" sz="quarter" idx="11"/>
           </p:nvPr>
         </p:nvSpPr>
-        <p:spPr>
-          <a:ln/>
-        </p:spPr>
+        <p:spPr/>
         <p:txBody>
           <a:bodyPr/>
           <a:lstStyle>
@@ -1546,10 +1491,6 @@
             </a:pPr>
             <a:fld id="{A86CC632-9864-46F1-8EAB-FCD3BB9CEC9A}" type="slidenum">
               <a:rPr lang="en-US"/>
-              <a:pPr>
-                <a:defRPr/>
-              </a:pPr>
-              <a:t>‹#›</a:t>
             </a:fld>
             <a:endParaRPr lang="en-US" dirty="0"/>
           </a:p>
@@ -1565,9 +1506,7 @@
             <p:ph type="ftr" sz="quarter" idx="12"/>
           </p:nvPr>
         </p:nvSpPr>
-        <p:spPr>
-          <a:ln/>
-        </p:spPr>
+        <p:spPr/>
         <p:txBody>
           <a:bodyPr/>
           <a:lstStyle>
@@ -1583,6 +1522,7 @@
               <a:rPr lang="en-US" dirty="0"/>
               <a:t>Copyright © 2017 Elephant Scale. All rights reserved.</a:t>
             </a:r>
+            <a:endParaRPr lang="en-US" dirty="0"/>
           </a:p>
         </p:txBody>
       </p:sp>
@@ -1641,15 +1581,10 @@
           <a:ln w="9525">
             <a:noFill/>
             <a:miter lim="800000"/>
-            <a:headEnd/>
-            <a:tailEnd/>
           </a:ln>
         </p:spPr>
         <p:txBody>
           <a:bodyPr vert="horz" wrap="square" lIns="92007" tIns="46005" rIns="92007" bIns="46005" numCol="1" anchor="t" anchorCtr="0" compatLnSpc="1">
-            <a:prstTxWarp prst="textNoShape">
-              <a:avLst/>
-            </a:prstTxWarp>
             <a:normAutofit/>
           </a:bodyPr>
           <a:lstStyle/>
@@ -1659,6 +1594,7 @@
               <a:rPr lang="en-US" dirty="0"/>
               <a:t>Click to edit Master text styles</a:t>
             </a:r>
+            <a:endParaRPr lang="en-US" dirty="0"/>
           </a:p>
           <a:p>
             <a:pPr lvl="1"/>
@@ -1666,6 +1602,7 @@
               <a:rPr lang="en-US" dirty="0"/>
               <a:t>Second level</a:t>
             </a:r>
+            <a:endParaRPr lang="en-US" dirty="0"/>
           </a:p>
           <a:p>
             <a:pPr lvl="2"/>
@@ -1673,6 +1610,7 @@
               <a:rPr lang="en-US" dirty="0"/>
               <a:t>Third level</a:t>
             </a:r>
+            <a:endParaRPr lang="en-US" dirty="0"/>
           </a:p>
           <a:p>
             <a:pPr lvl="3"/>
@@ -1680,6 +1618,7 @@
               <a:rPr lang="en-US" dirty="0"/>
               <a:t>Fourth level</a:t>
             </a:r>
+            <a:endParaRPr lang="en-US" dirty="0"/>
           </a:p>
           <a:p>
             <a:pPr lvl="4"/>
@@ -1687,6 +1626,7 @@
               <a:rPr lang="en-US" dirty="0"/>
               <a:t>Fifth level</a:t>
             </a:r>
+            <a:endParaRPr lang="en-US" dirty="0"/>
           </a:p>
         </p:txBody>
       </p:sp>
@@ -1712,26 +1652,20 @@
           <a:ln w="9525">
             <a:noFill/>
             <a:miter lim="800000"/>
-            <a:headEnd/>
-            <a:tailEnd/>
           </a:ln>
           <a:effectLst/>
         </p:spPr>
         <p:txBody>
-          <a:bodyPr vert="horz" wrap="square" lIns="0" tIns="0" rIns="0" bIns="0" numCol="1" anchor="b" anchorCtr="0" compatLnSpc="1">
-            <a:prstTxWarp prst="textNoShape">
-              <a:avLst/>
-            </a:prstTxWarp>
-          </a:bodyPr>
+          <a:bodyPr vert="horz" wrap="square" lIns="0" tIns="0" rIns="0" bIns="0" numCol="1" anchor="b" anchorCtr="0" compatLnSpc="1"/>
           <a:lstStyle>
             <a:lvl1pPr algn="r" eaLnBrk="0" hangingPunct="0">
               <a:defRPr b="1">
                 <a:solidFill>
                   <a:srgbClr val="000000"/>
                 </a:solidFill>
-                <a:latin typeface="Arial" charset="0"/>
-                <a:ea typeface="ＭＳ Ｐゴシック" charset="0"/>
-                <a:cs typeface="ＭＳ Ｐゴシック" charset="0"/>
+                <a:latin typeface="Arial" panose="020B0604020202020204" pitchFamily="34" charset="0"/>
+                <a:ea typeface="MS PGothic" charset="0"/>
+                <a:cs typeface="MS PGothic" charset="0"/>
               </a:defRPr>
             </a:lvl1pPr>
           </a:lstStyle>
@@ -1741,10 +1675,6 @@
             </a:pPr>
             <a:fld id="{77EF9825-4C23-4085-A4E3-B5565466BD91}" type="slidenum">
               <a:rPr lang="en-US"/>
-              <a:pPr>
-                <a:defRPr/>
-              </a:pPr>
-              <a:t>‹#›</a:t>
             </a:fld>
             <a:endParaRPr lang="en-US" dirty="0"/>
           </a:p>
@@ -1772,16 +1702,11 @@
           <a:ln w="9525">
             <a:noFill/>
             <a:miter lim="800000"/>
-            <a:headEnd/>
-            <a:tailEnd/>
           </a:ln>
           <a:effectLst/>
         </p:spPr>
         <p:txBody>
           <a:bodyPr vert="horz" wrap="square" lIns="0" tIns="0" rIns="0" bIns="0" numCol="1" anchor="t" anchorCtr="0" compatLnSpc="1">
-            <a:prstTxWarp prst="textNoShape">
-              <a:avLst/>
-            </a:prstTxWarp>
             <a:spAutoFit/>
           </a:bodyPr>
           <a:lstStyle>
@@ -1807,6 +1732,7 @@
               <a:rPr lang="en-US" dirty="0"/>
               <a:t>Copyright © 2017 Elephant Scale. All rights reserved.</a:t>
             </a:r>
+            <a:endParaRPr lang="en-US" dirty="0"/>
           </a:p>
         </p:txBody>
       </p:sp>
@@ -1819,7 +1745,7 @@
           <p:nvPr/>
         </p:nvPicPr>
         <p:blipFill>
-          <a:blip r:embed="rId6"/>
+          <a:blip r:embed="rId5"/>
           <a:srcRect/>
           <a:stretch>
             <a:fillRect/>
@@ -1866,16 +1792,10 @@
           <a:ln w="9525">
             <a:noFill/>
             <a:miter lim="800000"/>
-            <a:headEnd/>
-            <a:tailEnd/>
           </a:ln>
         </p:spPr>
         <p:txBody>
-          <a:bodyPr vert="horz" wrap="square" lIns="92007" tIns="46005" rIns="92007" bIns="46005" numCol="1" anchor="b" anchorCtr="0" compatLnSpc="1">
-            <a:prstTxWarp prst="textNoShape">
-              <a:avLst/>
-            </a:prstTxWarp>
-          </a:bodyPr>
+          <a:bodyPr vert="horz" wrap="square" lIns="92007" tIns="46005" rIns="92007" bIns="46005" numCol="1" anchor="b" anchorCtr="0" compatLnSpc="1"/>
           <a:lstStyle/>
           <a:p>
             <a:pPr lvl="0"/>
@@ -1883,6 +1803,7 @@
               <a:rPr lang="en-US" dirty="0"/>
               <a:t>Click to edit Master title style</a:t>
             </a:r>
+            <a:endParaRPr lang="en-US" dirty="0"/>
           </a:p>
         </p:txBody>
       </p:sp>
@@ -1890,10 +1811,10 @@
   </p:cSld>
   <p:clrMap bg1="dk2" tx1="lt1" bg2="dk1" tx2="lt2" accent1="accent1" accent2="accent2" accent3="accent3" accent4="accent4" accent5="accent5" accent6="accent6" hlink="hlink" folHlink="folHlink"/>
   <p:sldLayoutIdLst>
-    <p:sldLayoutId id="2147483656" r:id="rId1"/>
-    <p:sldLayoutId id="2147483655" r:id="rId2"/>
-    <p:sldLayoutId id="2147483654" r:id="rId3"/>
-    <p:sldLayoutId id="2147483653" r:id="rId4"/>
+    <p:sldLayoutId id="2147483649" r:id="rId1"/>
+    <p:sldLayoutId id="2147483650" r:id="rId2"/>
+    <p:sldLayoutId id="2147483651" r:id="rId3"/>
+    <p:sldLayoutId id="2147483652" r:id="rId4"/>
   </p:sldLayoutIdLst>
   <p:hf hdr="0" dt="0"/>
   <p:txStyles>
@@ -1910,8 +1831,8 @@
             <a:schemeClr val="tx1"/>
           </a:solidFill>
           <a:latin typeface="+mj-lt"/>
-          <a:ea typeface="ＭＳ Ｐゴシック" pitchFamily="-110" charset="-128"/>
-          <a:cs typeface="ＭＳ Ｐゴシック" pitchFamily="-110" charset="-128"/>
+          <a:ea typeface="MS PGothic" pitchFamily="-110" charset="-128"/>
+          <a:cs typeface="MS PGothic" pitchFamily="-110" charset="-128"/>
         </a:defRPr>
       </a:lvl1pPr>
       <a:lvl2pPr algn="l" rtl="0" eaLnBrk="0" fontAlgn="base" hangingPunct="0">
@@ -1925,9 +1846,9 @@
           <a:solidFill>
             <a:schemeClr val="tx1"/>
           </a:solidFill>
-          <a:latin typeface="Verdana" pitchFamily="-110" charset="0"/>
-          <a:ea typeface="ＭＳ Ｐゴシック" pitchFamily="-110" charset="-128"/>
-          <a:cs typeface="ＭＳ Ｐゴシック" pitchFamily="-110" charset="-128"/>
+          <a:latin typeface="Verdana" panose="020B0604030504040204" pitchFamily="-110" charset="0"/>
+          <a:ea typeface="MS PGothic" pitchFamily="-110" charset="-128"/>
+          <a:cs typeface="MS PGothic" pitchFamily="-110" charset="-128"/>
         </a:defRPr>
       </a:lvl2pPr>
       <a:lvl3pPr algn="l" rtl="0" eaLnBrk="0" fontAlgn="base" hangingPunct="0">
@@ -1941,9 +1862,9 @@
           <a:solidFill>
             <a:schemeClr val="tx1"/>
           </a:solidFill>
-          <a:latin typeface="Verdana" pitchFamily="-110" charset="0"/>
-          <a:ea typeface="ＭＳ Ｐゴシック" pitchFamily="-110" charset="-128"/>
-          <a:cs typeface="ＭＳ Ｐゴシック" pitchFamily="-110" charset="-128"/>
+          <a:latin typeface="Verdana" panose="020B0604030504040204" pitchFamily="-110" charset="0"/>
+          <a:ea typeface="MS PGothic" pitchFamily="-110" charset="-128"/>
+          <a:cs typeface="MS PGothic" pitchFamily="-110" charset="-128"/>
         </a:defRPr>
       </a:lvl3pPr>
       <a:lvl4pPr algn="l" rtl="0" eaLnBrk="0" fontAlgn="base" hangingPunct="0">
@@ -1957,9 +1878,9 @@
           <a:solidFill>
             <a:schemeClr val="tx1"/>
           </a:solidFill>
-          <a:latin typeface="Verdana" pitchFamily="-110" charset="0"/>
-          <a:ea typeface="ＭＳ Ｐゴシック" pitchFamily="-110" charset="-128"/>
-          <a:cs typeface="ＭＳ Ｐゴシック" pitchFamily="-110" charset="-128"/>
+          <a:latin typeface="Verdana" panose="020B0604030504040204" pitchFamily="-110" charset="0"/>
+          <a:ea typeface="MS PGothic" pitchFamily="-110" charset="-128"/>
+          <a:cs typeface="MS PGothic" pitchFamily="-110" charset="-128"/>
         </a:defRPr>
       </a:lvl4pPr>
       <a:lvl5pPr algn="l" rtl="0" eaLnBrk="0" fontAlgn="base" hangingPunct="0">
@@ -1973,9 +1894,9 @@
           <a:solidFill>
             <a:schemeClr val="tx1"/>
           </a:solidFill>
-          <a:latin typeface="Verdana" pitchFamily="-110" charset="0"/>
-          <a:ea typeface="ＭＳ Ｐゴシック" pitchFamily="-110" charset="-128"/>
-          <a:cs typeface="ＭＳ Ｐゴシック" pitchFamily="-110" charset="-128"/>
+          <a:latin typeface="Verdana" panose="020B0604030504040204" pitchFamily="-110" charset="0"/>
+          <a:ea typeface="MS PGothic" pitchFamily="-110" charset="-128"/>
+          <a:cs typeface="MS PGothic" pitchFamily="-110" charset="-128"/>
         </a:defRPr>
       </a:lvl5pPr>
       <a:lvl6pPr marL="457200" algn="l" rtl="0" eaLnBrk="0" fontAlgn="base" hangingPunct="0">
@@ -1989,7 +1910,7 @@
           <a:solidFill>
             <a:schemeClr val="tx1"/>
           </a:solidFill>
-          <a:latin typeface="Verdana" pitchFamily="-110" charset="0"/>
+          <a:latin typeface="Verdana" panose="020B0604030504040204" pitchFamily="-110" charset="0"/>
         </a:defRPr>
       </a:lvl6pPr>
       <a:lvl7pPr marL="914400" algn="l" rtl="0" eaLnBrk="0" fontAlgn="base" hangingPunct="0">
@@ -2003,7 +1924,7 @@
           <a:solidFill>
             <a:schemeClr val="tx1"/>
           </a:solidFill>
-          <a:latin typeface="Verdana" pitchFamily="-110" charset="0"/>
+          <a:latin typeface="Verdana" panose="020B0604030504040204" pitchFamily="-110" charset="0"/>
         </a:defRPr>
       </a:lvl7pPr>
       <a:lvl8pPr marL="1371600" algn="l" rtl="0" eaLnBrk="0" fontAlgn="base" hangingPunct="0">
@@ -2017,7 +1938,7 @@
           <a:solidFill>
             <a:schemeClr val="tx1"/>
           </a:solidFill>
-          <a:latin typeface="Verdana" pitchFamily="-110" charset="0"/>
+          <a:latin typeface="Verdana" panose="020B0604030504040204" pitchFamily="-110" charset="0"/>
         </a:defRPr>
       </a:lvl8pPr>
       <a:lvl9pPr marL="1828800" algn="l" rtl="0" eaLnBrk="0" fontAlgn="base" hangingPunct="0">
@@ -2031,12 +1952,12 @@
           <a:solidFill>
             <a:schemeClr val="tx1"/>
           </a:solidFill>
-          <a:latin typeface="Verdana" pitchFamily="-110" charset="0"/>
+          <a:latin typeface="Verdana" panose="020B0604030504040204" pitchFamily="-110" charset="0"/>
         </a:defRPr>
       </a:lvl9pPr>
     </p:titleStyle>
     <p:bodyStyle>
-      <a:lvl1pPr marL="290513" indent="-290513" algn="l" rtl="0" eaLnBrk="0" fontAlgn="base" hangingPunct="0">
+      <a:lvl1pPr marL="290830" indent="-290830" algn="l" rtl="0" eaLnBrk="0" fontAlgn="base" hangingPunct="0">
         <a:spcBef>
           <a:spcPct val="20000"/>
         </a:spcBef>
@@ -2047,18 +1968,18 @@
           <a:schemeClr val="tx2"/>
         </a:buClr>
         <a:buSzPct val="65000"/>
-        <a:buFont typeface="Wingdings" pitchFamily="2" charset="2"/>
+        <a:buFont typeface="Wingdings" panose="05000000000000000000" pitchFamily="2" charset="2"/>
         <a:buChar char=""/>
         <a:defRPr sz="2400">
           <a:solidFill>
             <a:srgbClr val="000000"/>
           </a:solidFill>
           <a:latin typeface="+mn-lt"/>
-          <a:ea typeface="ＭＳ Ｐゴシック" pitchFamily="-110" charset="-128"/>
-          <a:cs typeface="ＭＳ Ｐゴシック" pitchFamily="-110" charset="-128"/>
+          <a:ea typeface="MS PGothic" pitchFamily="-110" charset="-128"/>
+          <a:cs typeface="MS PGothic" pitchFamily="-110" charset="-128"/>
         </a:defRPr>
       </a:lvl1pPr>
-      <a:lvl2pPr marL="633413" indent="-228600" algn="l" rtl="0" eaLnBrk="0" fontAlgn="base" hangingPunct="0">
+      <a:lvl2pPr marL="633730" indent="-228600" algn="l" rtl="0" eaLnBrk="0" fontAlgn="base" hangingPunct="0">
         <a:spcBef>
           <a:spcPct val="20000"/>
         </a:spcBef>
@@ -2074,11 +1995,11 @@
             <a:srgbClr val="000000"/>
           </a:solidFill>
           <a:latin typeface="+mn-lt"/>
-          <a:ea typeface="ＭＳ Ｐゴシック" pitchFamily="-110" charset="-128"/>
-          <a:cs typeface="ＭＳ Ｐゴシック"/>
+          <a:ea typeface="MS PGothic" pitchFamily="-110" charset="-128"/>
+          <a:cs typeface="MS PGothic"/>
         </a:defRPr>
       </a:lvl2pPr>
-      <a:lvl3pPr marL="969963" indent="-222250" algn="l" rtl="0" eaLnBrk="0" fontAlgn="base" hangingPunct="0">
+      <a:lvl3pPr marL="970280" indent="-222250" algn="l" rtl="0" eaLnBrk="0" fontAlgn="base" hangingPunct="0">
         <a:spcBef>
           <a:spcPct val="20000"/>
         </a:spcBef>
@@ -2091,11 +2012,11 @@
             <a:srgbClr val="000000"/>
           </a:solidFill>
           <a:latin typeface="+mn-lt"/>
-          <a:ea typeface="ＭＳ Ｐゴシック" pitchFamily="-110" charset="-128"/>
-          <a:cs typeface="ＭＳ Ｐゴシック"/>
+          <a:ea typeface="MS PGothic" pitchFamily="-110" charset="-128"/>
+          <a:cs typeface="MS PGothic"/>
         </a:defRPr>
       </a:lvl3pPr>
-      <a:lvl4pPr marL="1258888" indent="-228600" algn="l" rtl="0" eaLnBrk="0" fontAlgn="base" hangingPunct="0">
+      <a:lvl4pPr marL="1259205" indent="-228600" algn="l" rtl="0" eaLnBrk="0" fontAlgn="base" hangingPunct="0">
         <a:spcBef>
           <a:spcPct val="0"/>
         </a:spcBef>
@@ -2113,11 +2034,11 @@
             <a:srgbClr val="000000"/>
           </a:solidFill>
           <a:latin typeface="+mn-lt"/>
-          <a:ea typeface="ＭＳ Ｐゴシック" pitchFamily="-110" charset="-128"/>
-          <a:cs typeface="ＭＳ Ｐゴシック"/>
+          <a:ea typeface="MS PGothic" pitchFamily="-110" charset="-128"/>
+          <a:cs typeface="MS PGothic"/>
         </a:defRPr>
       </a:lvl4pPr>
-      <a:lvl5pPr marL="2055813" indent="-230188" algn="l" rtl="0" eaLnBrk="0" fontAlgn="base" hangingPunct="0">
+      <a:lvl5pPr marL="2056130" indent="-230505" algn="l" rtl="0" eaLnBrk="0" fontAlgn="base" hangingPunct="0">
         <a:spcBef>
           <a:spcPct val="20000"/>
         </a:spcBef>
@@ -2131,12 +2052,12 @@
           <a:solidFill>
             <a:schemeClr val="tx1"/>
           </a:solidFill>
-          <a:latin typeface="Times New Roman" pitchFamily="-110" charset="0"/>
-          <a:ea typeface="ＭＳ Ｐゴシック" pitchFamily="-110" charset="-128"/>
-          <a:cs typeface="ＭＳ Ｐゴシック"/>
+          <a:latin typeface="Times New Roman" panose="02020603050405020304" pitchFamily="-110" charset="0"/>
+          <a:ea typeface="MS PGothic" pitchFamily="-110" charset="-128"/>
+          <a:cs typeface="MS PGothic"/>
         </a:defRPr>
       </a:lvl5pPr>
-      <a:lvl6pPr marL="2513013" indent="-230188" algn="l" rtl="0" eaLnBrk="0" fontAlgn="base" hangingPunct="0">
+      <a:lvl6pPr marL="2513330" indent="-230505" algn="l" rtl="0" eaLnBrk="0" fontAlgn="base" hangingPunct="0">
         <a:spcBef>
           <a:spcPct val="20000"/>
         </a:spcBef>
@@ -2150,11 +2071,11 @@
           <a:solidFill>
             <a:schemeClr val="tx1"/>
           </a:solidFill>
-          <a:latin typeface="Times New Roman" pitchFamily="-110" charset="0"/>
-          <a:ea typeface="ＭＳ Ｐゴシック" pitchFamily="-110" charset="-128"/>
+          <a:latin typeface="Times New Roman" panose="02020603050405020304" pitchFamily="-110" charset="0"/>
+          <a:ea typeface="MS PGothic" pitchFamily="-110" charset="-128"/>
         </a:defRPr>
       </a:lvl6pPr>
-      <a:lvl7pPr marL="2970213" indent="-230188" algn="l" rtl="0" eaLnBrk="0" fontAlgn="base" hangingPunct="0">
+      <a:lvl7pPr marL="2970530" indent="-230505" algn="l" rtl="0" eaLnBrk="0" fontAlgn="base" hangingPunct="0">
         <a:spcBef>
           <a:spcPct val="20000"/>
         </a:spcBef>
@@ -2168,11 +2089,11 @@
           <a:solidFill>
             <a:schemeClr val="tx1"/>
           </a:solidFill>
-          <a:latin typeface="Times New Roman" pitchFamily="-110" charset="0"/>
-          <a:ea typeface="ＭＳ Ｐゴシック" pitchFamily="-110" charset="-128"/>
+          <a:latin typeface="Times New Roman" panose="02020603050405020304" pitchFamily="-110" charset="0"/>
+          <a:ea typeface="MS PGothic" pitchFamily="-110" charset="-128"/>
         </a:defRPr>
       </a:lvl7pPr>
-      <a:lvl8pPr marL="3427413" indent="-230188" algn="l" rtl="0" eaLnBrk="0" fontAlgn="base" hangingPunct="0">
+      <a:lvl8pPr marL="3427730" indent="-230505" algn="l" rtl="0" eaLnBrk="0" fontAlgn="base" hangingPunct="0">
         <a:spcBef>
           <a:spcPct val="20000"/>
         </a:spcBef>
@@ -2186,11 +2107,11 @@
           <a:solidFill>
             <a:schemeClr val="tx1"/>
           </a:solidFill>
-          <a:latin typeface="Times New Roman" pitchFamily="-110" charset="0"/>
-          <a:ea typeface="ＭＳ Ｐゴシック" pitchFamily="-110" charset="-128"/>
+          <a:latin typeface="Times New Roman" panose="02020603050405020304" pitchFamily="-110" charset="0"/>
+          <a:ea typeface="MS PGothic" pitchFamily="-110" charset="-128"/>
         </a:defRPr>
       </a:lvl8pPr>
-      <a:lvl9pPr marL="3884613" indent="-230188" algn="l" rtl="0" eaLnBrk="0" fontAlgn="base" hangingPunct="0">
+      <a:lvl9pPr marL="3884930" indent="-230505" algn="l" rtl="0" eaLnBrk="0" fontAlgn="base" hangingPunct="0">
         <a:spcBef>
           <a:spcPct val="20000"/>
         </a:spcBef>
@@ -2204,8 +2125,8 @@
           <a:solidFill>
             <a:schemeClr val="tx1"/>
           </a:solidFill>
-          <a:latin typeface="Times New Roman" pitchFamily="-110" charset="0"/>
-          <a:ea typeface="ＭＳ Ｐゴシック" pitchFamily="-110" charset="-128"/>
+          <a:latin typeface="Times New Roman" panose="02020603050405020304" pitchFamily="-110" charset="0"/>
+          <a:ea typeface="MS PGothic" pitchFamily="-110" charset="-128"/>
         </a:defRPr>
       </a:lvl9pPr>
     </p:bodyStyle>
@@ -2309,7 +2230,7 @@
 </file>
 
 <file path=ppt/slides/slide1.xml><?xml version="1.0" encoding="utf-8"?>
-<p:sld xmlns:a="http://schemas.openxmlformats.org/drawingml/2006/main" xmlns:p="http://schemas.openxmlformats.org/presentationml/2006/main" xmlns:r="http://schemas.openxmlformats.org/officeDocument/2006/relationships">
+<p:sld xmlns:a="http://schemas.openxmlformats.org/drawingml/2006/main" xmlns:r="http://schemas.openxmlformats.org/officeDocument/2006/relationships" xmlns:p="http://schemas.openxmlformats.org/presentationml/2006/main">
   <p:cSld>
     <p:spTree>
       <p:nvGrpSpPr>
@@ -2325,7 +2246,7 @@
             <a:spLocks noGrp="1"/>
           </p:cNvSpPr>
           <p:nvPr>
-            <p:ph type="subTitle" idx="1" sz="quarter"/>
+            <p:ph type="subTitle" sz="quarter" idx="1"/>
           </p:nvPr>
         </p:nvSpPr>
         <p:spPr/>
@@ -2418,6 +2339,11 @@
               </a:rPr>
               <a:t>Copyright © 2021 by Elephant Scale, All Rights Reserved</a:t>
             </a:r>
+            <a:endParaRPr sz="800">
+              <a:solidFill>
+                <a:srgbClr val="000000"/>
+              </a:solidFill>
+            </a:endParaRPr>
           </a:p>
         </p:txBody>
       </p:sp>
@@ -2430,7 +2356,7 @@
 </file>
 
 <file path=ppt/slides/slide10.xml><?xml version="1.0" encoding="utf-8"?>
-<p:sld xmlns:a="http://schemas.openxmlformats.org/drawingml/2006/main" xmlns:p="http://schemas.openxmlformats.org/presentationml/2006/main" xmlns:r="http://schemas.openxmlformats.org/officeDocument/2006/relationships">
+<p:sld xmlns:a="http://schemas.openxmlformats.org/drawingml/2006/main" xmlns:r="http://schemas.openxmlformats.org/officeDocument/2006/relationships" xmlns:p="http://schemas.openxmlformats.org/presentationml/2006/main">
   <p:cSld>
     <p:spTree>
       <p:nvGrpSpPr>
@@ -2534,6 +2460,11 @@
               </a:rPr>
               <a:t>Copyright © 2021 by Elephant Scale, All Rights Reserved</a:t>
             </a:r>
+            <a:endParaRPr sz="800">
+              <a:solidFill>
+                <a:srgbClr val="000000"/>
+              </a:solidFill>
+            </a:endParaRPr>
           </a:p>
         </p:txBody>
       </p:sp>
@@ -2546,7 +2477,7 @@
 </file>
 
 <file path=ppt/slides/slide11.xml><?xml version="1.0" encoding="utf-8"?>
-<p:sld xmlns:a="http://schemas.openxmlformats.org/drawingml/2006/main" xmlns:p="http://schemas.openxmlformats.org/presentationml/2006/main" xmlns:r="http://schemas.openxmlformats.org/officeDocument/2006/relationships">
+<p:sld xmlns:a="http://schemas.openxmlformats.org/drawingml/2006/main" xmlns:r="http://schemas.openxmlformats.org/officeDocument/2006/relationships" xmlns:p="http://schemas.openxmlformats.org/presentationml/2006/main">
   <p:cSld>
     <p:spTree>
       <p:nvGrpSpPr>
@@ -2663,6 +2594,11 @@
               </a:rPr>
               <a:t>Copyright © 2021 by Elephant Scale, All Rights Reserved</a:t>
             </a:r>
+            <a:endParaRPr sz="800">
+              <a:solidFill>
+                <a:srgbClr val="000000"/>
+              </a:solidFill>
+            </a:endParaRPr>
           </a:p>
         </p:txBody>
       </p:sp>
@@ -2675,7 +2611,7 @@
 </file>
 
 <file path=ppt/slides/slide12.xml><?xml version="1.0" encoding="utf-8"?>
-<p:sld xmlns:a="http://schemas.openxmlformats.org/drawingml/2006/main" xmlns:p="http://schemas.openxmlformats.org/presentationml/2006/main" xmlns:r="http://schemas.openxmlformats.org/officeDocument/2006/relationships">
+<p:sld xmlns:a="http://schemas.openxmlformats.org/drawingml/2006/main" xmlns:r="http://schemas.openxmlformats.org/officeDocument/2006/relationships" xmlns:p="http://schemas.openxmlformats.org/presentationml/2006/main">
   <p:cSld>
     <p:spTree>
       <p:nvGrpSpPr>
@@ -2773,6 +2709,11 @@
               </a:rPr>
               <a:t>Copyright © 2021 by Elephant Scale, All Rights Reserved</a:t>
             </a:r>
+            <a:endParaRPr sz="800">
+              <a:solidFill>
+                <a:srgbClr val="000000"/>
+              </a:solidFill>
+            </a:endParaRPr>
           </a:p>
         </p:txBody>
       </p:sp>
@@ -2785,7 +2726,7 @@
 </file>
 
 <file path=ppt/slides/slide13.xml><?xml version="1.0" encoding="utf-8"?>
-<p:sld xmlns:a="http://schemas.openxmlformats.org/drawingml/2006/main" xmlns:p="http://schemas.openxmlformats.org/presentationml/2006/main" xmlns:r="http://schemas.openxmlformats.org/officeDocument/2006/relationships">
+<p:sld xmlns:a="http://schemas.openxmlformats.org/drawingml/2006/main" xmlns:r="http://schemas.openxmlformats.org/officeDocument/2006/relationships" xmlns:p="http://schemas.openxmlformats.org/presentationml/2006/main">
   <p:cSld>
     <p:spTree>
       <p:nvGrpSpPr>
@@ -2878,6 +2819,11 @@
               </a:rPr>
               <a:t>Copyright © 2021 by Elephant Scale, All Rights Reserved</a:t>
             </a:r>
+            <a:endParaRPr sz="800">
+              <a:solidFill>
+                <a:srgbClr val="000000"/>
+              </a:solidFill>
+            </a:endParaRPr>
           </a:p>
         </p:txBody>
       </p:sp>
@@ -2890,7 +2836,7 @@
 </file>
 
 <file path=ppt/slides/slide14.xml><?xml version="1.0" encoding="utf-8"?>
-<p:sld xmlns:a="http://schemas.openxmlformats.org/drawingml/2006/main" xmlns:p="http://schemas.openxmlformats.org/presentationml/2006/main" xmlns:r="http://schemas.openxmlformats.org/officeDocument/2006/relationships">
+<p:sld xmlns:a="http://schemas.openxmlformats.org/drawingml/2006/main" xmlns:r="http://schemas.openxmlformats.org/officeDocument/2006/relationships" xmlns:p="http://schemas.openxmlformats.org/presentationml/2006/main">
   <p:cSld>
     <p:spTree>
       <p:nvGrpSpPr>
@@ -2983,6 +2929,11 @@
               </a:rPr>
               <a:t>Copyright © 2021 by Elephant Scale, All Rights Reserved</a:t>
             </a:r>
+            <a:endParaRPr sz="800">
+              <a:solidFill>
+                <a:srgbClr val="000000"/>
+              </a:solidFill>
+            </a:endParaRPr>
           </a:p>
         </p:txBody>
       </p:sp>
@@ -2995,7 +2946,7 @@
 </file>
 
 <file path=ppt/slides/slide15.xml><?xml version="1.0" encoding="utf-8"?>
-<p:sld xmlns:a="http://schemas.openxmlformats.org/drawingml/2006/main" xmlns:p="http://schemas.openxmlformats.org/presentationml/2006/main" xmlns:r="http://schemas.openxmlformats.org/officeDocument/2006/relationships">
+<p:sld xmlns:a="http://schemas.openxmlformats.org/drawingml/2006/main" xmlns:r="http://schemas.openxmlformats.org/officeDocument/2006/relationships" xmlns:p="http://schemas.openxmlformats.org/presentationml/2006/main">
   <p:cSld>
     <p:spTree>
       <p:nvGrpSpPr>
@@ -3011,7 +2962,7 @@
             <a:spLocks noGrp="1"/>
           </p:cNvSpPr>
           <p:nvPr>
-            <p:ph type="subTitle" idx="1" sz="quarter"/>
+            <p:ph type="subTitle" sz="quarter" idx="1"/>
           </p:nvPr>
         </p:nvSpPr>
         <p:spPr/>
@@ -3101,6 +3052,11 @@
               </a:rPr>
               <a:t>Copyright © 2021 by Elephant Scale, All Rights Reserved</a:t>
             </a:r>
+            <a:endParaRPr sz="800">
+              <a:solidFill>
+                <a:srgbClr val="000000"/>
+              </a:solidFill>
+            </a:endParaRPr>
           </a:p>
         </p:txBody>
       </p:sp>
@@ -3113,7 +3069,7 @@
 </file>
 
 <file path=ppt/slides/slide16.xml><?xml version="1.0" encoding="utf-8"?>
-<p:sld xmlns:a="http://schemas.openxmlformats.org/drawingml/2006/main" xmlns:p="http://schemas.openxmlformats.org/presentationml/2006/main" xmlns:r="http://schemas.openxmlformats.org/officeDocument/2006/relationships">
+<p:sld xmlns:a="http://schemas.openxmlformats.org/drawingml/2006/main" xmlns:r="http://schemas.openxmlformats.org/officeDocument/2006/relationships" xmlns:p="http://schemas.openxmlformats.org/presentationml/2006/main">
   <p:cSld>
     <p:spTree>
       <p:nvGrpSpPr>
@@ -3217,6 +3173,11 @@
               </a:rPr>
               <a:t>Copyright © 2021 by Elephant Scale, All Rights Reserved</a:t>
             </a:r>
+            <a:endParaRPr sz="800">
+              <a:solidFill>
+                <a:srgbClr val="000000"/>
+              </a:solidFill>
+            </a:endParaRPr>
           </a:p>
         </p:txBody>
       </p:sp>
@@ -3229,7 +3190,7 @@
 </file>
 
 <file path=ppt/slides/slide17.xml><?xml version="1.0" encoding="utf-8"?>
-<p:sld xmlns:a="http://schemas.openxmlformats.org/drawingml/2006/main" xmlns:p="http://schemas.openxmlformats.org/presentationml/2006/main" xmlns:r="http://schemas.openxmlformats.org/officeDocument/2006/relationships">
+<p:sld xmlns:a="http://schemas.openxmlformats.org/drawingml/2006/main" xmlns:r="http://schemas.openxmlformats.org/officeDocument/2006/relationships" xmlns:p="http://schemas.openxmlformats.org/presentationml/2006/main">
   <p:cSld>
     <p:spTree>
       <p:nvGrpSpPr>
@@ -3319,6 +3280,11 @@
               </a:rPr>
               <a:t>Copyright © 2021 by Elephant Scale, All Rights Reserved</a:t>
             </a:r>
+            <a:endParaRPr sz="800">
+              <a:solidFill>
+                <a:srgbClr val="000000"/>
+              </a:solidFill>
+            </a:endParaRPr>
           </a:p>
         </p:txBody>
       </p:sp>
@@ -3331,7 +3297,7 @@
           <p:nvPr/>
         </p:nvPicPr>
         <p:blipFill>
-          <a:blip r:embed="rId2"/>
+          <a:blip r:embed="rId1"/>
           <a:stretch>
             <a:fillRect/>
           </a:stretch>
@@ -3355,7 +3321,7 @@
 </file>
 
 <file path=ppt/slides/slide18.xml><?xml version="1.0" encoding="utf-8"?>
-<p:sld xmlns:a="http://schemas.openxmlformats.org/drawingml/2006/main" xmlns:p="http://schemas.openxmlformats.org/presentationml/2006/main" xmlns:r="http://schemas.openxmlformats.org/officeDocument/2006/relationships">
+<p:sld xmlns:a="http://schemas.openxmlformats.org/drawingml/2006/main" xmlns:r="http://schemas.openxmlformats.org/officeDocument/2006/relationships" xmlns:p="http://schemas.openxmlformats.org/presentationml/2006/main">
   <p:cSld>
     <p:spTree>
       <p:nvGrpSpPr>
@@ -3412,6 +3378,7 @@
               <a:rPr b="1"/>
               <a:t> It is not safe</a:t>
             </a:r>
+            <a:endParaRPr b="1"/>
           </a:p>
           <a:p>
             <a:r>
@@ -3450,6 +3417,11 @@
               </a:rPr>
               <a:t>Copyright © 2021 by Elephant Scale, All Rights Reserved</a:t>
             </a:r>
+            <a:endParaRPr sz="800">
+              <a:solidFill>
+                <a:srgbClr val="000000"/>
+              </a:solidFill>
+            </a:endParaRPr>
           </a:p>
         </p:txBody>
       </p:sp>
@@ -3462,7 +3434,7 @@
 </file>
 
 <file path=ppt/slides/slide19.xml><?xml version="1.0" encoding="utf-8"?>
-<p:sld xmlns:a="http://schemas.openxmlformats.org/drawingml/2006/main" xmlns:p="http://schemas.openxmlformats.org/presentationml/2006/main" xmlns:r="http://schemas.openxmlformats.org/officeDocument/2006/relationships">
+<p:sld xmlns:a="http://schemas.openxmlformats.org/drawingml/2006/main" xmlns:r="http://schemas.openxmlformats.org/officeDocument/2006/relationships" xmlns:p="http://schemas.openxmlformats.org/presentationml/2006/main">
   <p:cSld>
     <p:spTree>
       <p:nvGrpSpPr>
@@ -3553,6 +3525,11 @@
               </a:rPr>
               <a:t>Copyright © 2021 by Elephant Scale, All Rights Reserved</a:t>
             </a:r>
+            <a:endParaRPr sz="800">
+              <a:solidFill>
+                <a:srgbClr val="000000"/>
+              </a:solidFill>
+            </a:endParaRPr>
           </a:p>
         </p:txBody>
       </p:sp>
@@ -3565,7 +3542,7 @@
 </file>
 
 <file path=ppt/slides/slide2.xml><?xml version="1.0" encoding="utf-8"?>
-<p:sld xmlns:a="http://schemas.openxmlformats.org/drawingml/2006/main" xmlns:p="http://schemas.openxmlformats.org/presentationml/2006/main" xmlns:r="http://schemas.openxmlformats.org/officeDocument/2006/relationships">
+<p:sld xmlns:a="http://schemas.openxmlformats.org/drawingml/2006/main" xmlns:r="http://schemas.openxmlformats.org/officeDocument/2006/relationships" xmlns:p="http://schemas.openxmlformats.org/presentationml/2006/main">
   <p:cSld>
     <p:spTree>
       <p:nvGrpSpPr>
@@ -3581,7 +3558,7 @@
             <a:spLocks noGrp="1"/>
           </p:cNvSpPr>
           <p:nvPr>
-            <p:ph type="subTitle" idx="1" sz="quarter"/>
+            <p:ph type="subTitle" sz="quarter" idx="1"/>
           </p:nvPr>
         </p:nvSpPr>
         <p:spPr/>
@@ -3671,6 +3648,11 @@
               </a:rPr>
               <a:t>Copyright © 2021 by Elephant Scale, All Rights Reserved</a:t>
             </a:r>
+            <a:endParaRPr sz="800">
+              <a:solidFill>
+                <a:srgbClr val="000000"/>
+              </a:solidFill>
+            </a:endParaRPr>
           </a:p>
         </p:txBody>
       </p:sp>
@@ -3683,7 +3665,7 @@
 </file>
 
 <file path=ppt/slides/slide20.xml><?xml version="1.0" encoding="utf-8"?>
-<p:sld xmlns:a="http://schemas.openxmlformats.org/drawingml/2006/main" xmlns:p="http://schemas.openxmlformats.org/presentationml/2006/main" xmlns:r="http://schemas.openxmlformats.org/officeDocument/2006/relationships">
+<p:sld xmlns:a="http://schemas.openxmlformats.org/drawingml/2006/main" xmlns:r="http://schemas.openxmlformats.org/officeDocument/2006/relationships" xmlns:p="http://schemas.openxmlformats.org/presentationml/2006/main">
   <p:cSld>
     <p:spTree>
       <p:nvGrpSpPr>
@@ -3773,6 +3755,11 @@
               </a:rPr>
               <a:t>Copyright © 2021 by Elephant Scale, All Rights Reserved</a:t>
             </a:r>
+            <a:endParaRPr sz="800">
+              <a:solidFill>
+                <a:srgbClr val="000000"/>
+              </a:solidFill>
+            </a:endParaRPr>
           </a:p>
         </p:txBody>
       </p:sp>
@@ -3785,7 +3772,7 @@
           <p:nvPr/>
         </p:nvPicPr>
         <p:blipFill>
-          <a:blip r:embed="rId2"/>
+          <a:blip r:embed="rId1"/>
           <a:stretch>
             <a:fillRect/>
           </a:stretch>
@@ -3809,7 +3796,7 @@
 </file>
 
 <file path=ppt/slides/slide21.xml><?xml version="1.0" encoding="utf-8"?>
-<p:sld xmlns:a="http://schemas.openxmlformats.org/drawingml/2006/main" xmlns:p="http://schemas.openxmlformats.org/presentationml/2006/main" xmlns:r="http://schemas.openxmlformats.org/officeDocument/2006/relationships">
+<p:sld xmlns:a="http://schemas.openxmlformats.org/drawingml/2006/main" xmlns:r="http://schemas.openxmlformats.org/officeDocument/2006/relationships" xmlns:p="http://schemas.openxmlformats.org/presentationml/2006/main">
   <p:cSld>
     <p:spTree>
       <p:nvGrpSpPr>
@@ -3900,6 +3887,11 @@
               </a:rPr>
               <a:t>Copyright © 2021 by Elephant Scale, All Rights Reserved</a:t>
             </a:r>
+            <a:endParaRPr sz="800">
+              <a:solidFill>
+                <a:srgbClr val="000000"/>
+              </a:solidFill>
+            </a:endParaRPr>
           </a:p>
         </p:txBody>
       </p:sp>
@@ -3912,7 +3904,7 @@
 </file>
 
 <file path=ppt/slides/slide22.xml><?xml version="1.0" encoding="utf-8"?>
-<p:sld xmlns:a="http://schemas.openxmlformats.org/drawingml/2006/main" xmlns:p="http://schemas.openxmlformats.org/presentationml/2006/main" xmlns:r="http://schemas.openxmlformats.org/officeDocument/2006/relationships">
+<p:sld xmlns:a="http://schemas.openxmlformats.org/drawingml/2006/main" xmlns:r="http://schemas.openxmlformats.org/officeDocument/2006/relationships" xmlns:p="http://schemas.openxmlformats.org/presentationml/2006/main">
   <p:cSld>
     <p:spTree>
       <p:nvGrpSpPr>
@@ -4002,6 +3994,11 @@
               </a:rPr>
               <a:t>Copyright © 2021 by Elephant Scale, All Rights Reserved</a:t>
             </a:r>
+            <a:endParaRPr sz="800">
+              <a:solidFill>
+                <a:srgbClr val="000000"/>
+              </a:solidFill>
+            </a:endParaRPr>
           </a:p>
         </p:txBody>
       </p:sp>
@@ -4014,7 +4011,7 @@
           <p:nvPr/>
         </p:nvPicPr>
         <p:blipFill>
-          <a:blip r:embed="rId2"/>
+          <a:blip r:embed="rId1"/>
           <a:stretch>
             <a:fillRect/>
           </a:stretch>
@@ -4038,7 +4035,7 @@
 </file>
 
 <file path=ppt/slides/slide23.xml><?xml version="1.0" encoding="utf-8"?>
-<p:sld xmlns:a="http://schemas.openxmlformats.org/drawingml/2006/main" xmlns:p="http://schemas.openxmlformats.org/presentationml/2006/main" xmlns:r="http://schemas.openxmlformats.org/officeDocument/2006/relationships">
+<p:sld xmlns:a="http://schemas.openxmlformats.org/drawingml/2006/main" xmlns:r="http://schemas.openxmlformats.org/officeDocument/2006/relationships" xmlns:p="http://schemas.openxmlformats.org/presentationml/2006/main">
   <p:cSld>
     <p:spTree>
       <p:nvGrpSpPr>
@@ -4139,6 +4136,11 @@
               </a:rPr>
               <a:t>Copyright © 2021 by Elephant Scale, All Rights Reserved</a:t>
             </a:r>
+            <a:endParaRPr sz="800">
+              <a:solidFill>
+                <a:srgbClr val="000000"/>
+              </a:solidFill>
+            </a:endParaRPr>
           </a:p>
         </p:txBody>
       </p:sp>
@@ -4151,7 +4153,7 @@
 </file>
 
 <file path=ppt/slides/slide24.xml><?xml version="1.0" encoding="utf-8"?>
-<p:sld xmlns:a="http://schemas.openxmlformats.org/drawingml/2006/main" xmlns:p="http://schemas.openxmlformats.org/presentationml/2006/main" xmlns:r="http://schemas.openxmlformats.org/officeDocument/2006/relationships">
+<p:sld xmlns:a="http://schemas.openxmlformats.org/drawingml/2006/main" xmlns:r="http://schemas.openxmlformats.org/officeDocument/2006/relationships" xmlns:p="http://schemas.openxmlformats.org/presentationml/2006/main">
   <p:cSld>
     <p:spTree>
       <p:nvGrpSpPr>
@@ -4241,6 +4243,11 @@
               </a:rPr>
               <a:t>Copyright © 2021 by Elephant Scale, All Rights Reserved</a:t>
             </a:r>
+            <a:endParaRPr sz="800">
+              <a:solidFill>
+                <a:srgbClr val="000000"/>
+              </a:solidFill>
+            </a:endParaRPr>
           </a:p>
         </p:txBody>
       </p:sp>
@@ -4253,7 +4260,7 @@
           <p:nvPr/>
         </p:nvPicPr>
         <p:blipFill>
-          <a:blip r:embed="rId2"/>
+          <a:blip r:embed="rId1"/>
           <a:stretch>
             <a:fillRect/>
           </a:stretch>
@@ -4277,7 +4284,7 @@
 </file>
 
 <file path=ppt/slides/slide25.xml><?xml version="1.0" encoding="utf-8"?>
-<p:sld xmlns:a="http://schemas.openxmlformats.org/drawingml/2006/main" xmlns:p="http://schemas.openxmlformats.org/presentationml/2006/main" xmlns:r="http://schemas.openxmlformats.org/officeDocument/2006/relationships">
+<p:sld xmlns:a="http://schemas.openxmlformats.org/drawingml/2006/main" xmlns:r="http://schemas.openxmlformats.org/officeDocument/2006/relationships" xmlns:p="http://schemas.openxmlformats.org/presentationml/2006/main">
   <p:cSld>
     <p:spTree>
       <p:nvGrpSpPr>
@@ -4363,6 +4370,11 @@
               </a:rPr>
               <a:t>Copyright © 2021 by Elephant Scale, All Rights Reserved</a:t>
             </a:r>
+            <a:endParaRPr sz="800">
+              <a:solidFill>
+                <a:srgbClr val="000000"/>
+              </a:solidFill>
+            </a:endParaRPr>
           </a:p>
         </p:txBody>
       </p:sp>
@@ -4375,7 +4387,7 @@
 </file>
 
 <file path=ppt/slides/slide26.xml><?xml version="1.0" encoding="utf-8"?>
-<p:sld xmlns:a="http://schemas.openxmlformats.org/drawingml/2006/main" xmlns:p="http://schemas.openxmlformats.org/presentationml/2006/main" xmlns:r="http://schemas.openxmlformats.org/officeDocument/2006/relationships">
+<p:sld xmlns:a="http://schemas.openxmlformats.org/drawingml/2006/main" xmlns:r="http://schemas.openxmlformats.org/officeDocument/2006/relationships" xmlns:p="http://schemas.openxmlformats.org/presentationml/2006/main">
   <p:cSld>
     <p:spTree>
       <p:nvGrpSpPr>
@@ -4464,6 +4476,11 @@
               </a:rPr>
               <a:t>Copyright © 2021 by Elephant Scale, All Rights Reserved</a:t>
             </a:r>
+            <a:endParaRPr sz="800">
+              <a:solidFill>
+                <a:srgbClr val="000000"/>
+              </a:solidFill>
+            </a:endParaRPr>
           </a:p>
         </p:txBody>
       </p:sp>
@@ -4476,7 +4493,7 @@
           <p:nvPr/>
         </p:nvPicPr>
         <p:blipFill>
-          <a:blip r:embed="rId2"/>
+          <a:blip r:embed="rId1"/>
           <a:stretch>
             <a:fillRect/>
           </a:stretch>
@@ -4500,7 +4517,7 @@
 </file>
 
 <file path=ppt/slides/slide27.xml><?xml version="1.0" encoding="utf-8"?>
-<p:sld xmlns:a="http://schemas.openxmlformats.org/drawingml/2006/main" xmlns:p="http://schemas.openxmlformats.org/presentationml/2006/main" xmlns:r="http://schemas.openxmlformats.org/officeDocument/2006/relationships">
+<p:sld xmlns:a="http://schemas.openxmlformats.org/drawingml/2006/main" xmlns:r="http://schemas.openxmlformats.org/officeDocument/2006/relationships" xmlns:p="http://schemas.openxmlformats.org/presentationml/2006/main">
   <p:cSld>
     <p:spTree>
       <p:nvGrpSpPr>
@@ -4552,7 +4569,7 @@
           <a:p>
             <a:r>
               <a:rPr>
-                <a:latin typeface="Courier New"/>
+                <a:latin typeface="Courier New" panose="02070309020205020404"/>
               </a:rPr>
               <a:t> Cross-Origin Resource Sharing (CORS)</a:t>
             </a:r>
@@ -4561,7 +4578,7 @@
             </a:r>
             <a:r>
               <a:rPr>
-                <a:latin typeface="Courier New"/>
+                <a:latin typeface="Courier New" panose="02070309020205020404"/>
               </a:rPr>
               <a:t> W3C</a:t>
             </a:r>
@@ -4606,6 +4623,11 @@
               </a:rPr>
               <a:t>Copyright © 2021 by Elephant Scale, All Rights Reserved</a:t>
             </a:r>
+            <a:endParaRPr sz="800">
+              <a:solidFill>
+                <a:srgbClr val="000000"/>
+              </a:solidFill>
+            </a:endParaRPr>
           </a:p>
         </p:txBody>
       </p:sp>
@@ -4618,7 +4640,7 @@
 </file>
 
 <file path=ppt/slides/slide28.xml><?xml version="1.0" encoding="utf-8"?>
-<p:sld xmlns:a="http://schemas.openxmlformats.org/drawingml/2006/main" xmlns:p="http://schemas.openxmlformats.org/presentationml/2006/main" xmlns:r="http://schemas.openxmlformats.org/officeDocument/2006/relationships">
+<p:sld xmlns:a="http://schemas.openxmlformats.org/drawingml/2006/main" xmlns:r="http://schemas.openxmlformats.org/officeDocument/2006/relationships" xmlns:p="http://schemas.openxmlformats.org/presentationml/2006/main">
   <p:cSld>
     <p:spTree>
       <p:nvGrpSpPr>
@@ -4719,6 +4741,11 @@
               </a:rPr>
               <a:t>Copyright © 2021 by Elephant Scale, All Rights Reserved</a:t>
             </a:r>
+            <a:endParaRPr sz="800">
+              <a:solidFill>
+                <a:srgbClr val="000000"/>
+              </a:solidFill>
+            </a:endParaRPr>
           </a:p>
         </p:txBody>
       </p:sp>
@@ -4731,7 +4758,7 @@
 </file>
 
 <file path=ppt/slides/slide29.xml><?xml version="1.0" encoding="utf-8"?>
-<p:sld xmlns:a="http://schemas.openxmlformats.org/drawingml/2006/main" xmlns:p="http://schemas.openxmlformats.org/presentationml/2006/main" xmlns:r="http://schemas.openxmlformats.org/officeDocument/2006/relationships">
+<p:sld xmlns:a="http://schemas.openxmlformats.org/drawingml/2006/main" xmlns:r="http://schemas.openxmlformats.org/officeDocument/2006/relationships" xmlns:p="http://schemas.openxmlformats.org/presentationml/2006/main">
   <p:cSld>
     <p:spTree>
       <p:nvGrpSpPr>
@@ -4747,7 +4774,7 @@
             <a:spLocks noGrp="1"/>
           </p:cNvSpPr>
           <p:nvPr>
-            <p:ph type="subTitle" idx="1" sz="quarter"/>
+            <p:ph type="subTitle" sz="quarter" idx="1"/>
           </p:nvPr>
         </p:nvSpPr>
         <p:spPr/>
@@ -4837,6 +4864,11 @@
               </a:rPr>
               <a:t>Copyright © 2021 by Elephant Scale, All Rights Reserved</a:t>
             </a:r>
+            <a:endParaRPr sz="800">
+              <a:solidFill>
+                <a:srgbClr val="000000"/>
+              </a:solidFill>
+            </a:endParaRPr>
           </a:p>
         </p:txBody>
       </p:sp>
@@ -4849,7 +4881,7 @@
 </file>
 
 <file path=ppt/slides/slide3.xml><?xml version="1.0" encoding="utf-8"?>
-<p:sld xmlns:a="http://schemas.openxmlformats.org/drawingml/2006/main" xmlns:p="http://schemas.openxmlformats.org/presentationml/2006/main" xmlns:r="http://schemas.openxmlformats.org/officeDocument/2006/relationships">
+<p:sld xmlns:a="http://schemas.openxmlformats.org/drawingml/2006/main" xmlns:r="http://schemas.openxmlformats.org/officeDocument/2006/relationships" xmlns:p="http://schemas.openxmlformats.org/presentationml/2006/main">
   <p:cSld>
     <p:spTree>
       <p:nvGrpSpPr>
@@ -4935,6 +4967,11 @@
               </a:rPr>
               <a:t>Copyright © 2021 by Elephant Scale, All Rights Reserved</a:t>
             </a:r>
+            <a:endParaRPr sz="800">
+              <a:solidFill>
+                <a:srgbClr val="000000"/>
+              </a:solidFill>
+            </a:endParaRPr>
           </a:p>
         </p:txBody>
       </p:sp>
@@ -4947,7 +4984,7 @@
           <p:nvPr/>
         </p:nvPicPr>
         <p:blipFill>
-          <a:blip r:embed="rId2"/>
+          <a:blip r:embed="rId1"/>
           <a:stretch>
             <a:fillRect/>
           </a:stretch>
@@ -4971,7 +5008,7 @@
 </file>
 
 <file path=ppt/slides/slide30.xml><?xml version="1.0" encoding="utf-8"?>
-<p:sld xmlns:a="http://schemas.openxmlformats.org/drawingml/2006/main" xmlns:p="http://schemas.openxmlformats.org/presentationml/2006/main" xmlns:r="http://schemas.openxmlformats.org/officeDocument/2006/relationships">
+<p:sld xmlns:a="http://schemas.openxmlformats.org/drawingml/2006/main" xmlns:r="http://schemas.openxmlformats.org/officeDocument/2006/relationships" xmlns:p="http://schemas.openxmlformats.org/presentationml/2006/main">
   <p:cSld>
     <p:spTree>
       <p:nvGrpSpPr>
@@ -5067,6 +5104,11 @@
               </a:rPr>
               <a:t>Copyright © 2021 by Elephant Scale, All Rights Reserved</a:t>
             </a:r>
+            <a:endParaRPr sz="800">
+              <a:solidFill>
+                <a:srgbClr val="000000"/>
+              </a:solidFill>
+            </a:endParaRPr>
           </a:p>
         </p:txBody>
       </p:sp>
@@ -5079,7 +5121,7 @@
 </file>
 
 <file path=ppt/slides/slide31.xml><?xml version="1.0" encoding="utf-8"?>
-<p:sld xmlns:a="http://schemas.openxmlformats.org/drawingml/2006/main" xmlns:p="http://schemas.openxmlformats.org/presentationml/2006/main" xmlns:r="http://schemas.openxmlformats.org/officeDocument/2006/relationships">
+<p:sld xmlns:a="http://schemas.openxmlformats.org/drawingml/2006/main" xmlns:r="http://schemas.openxmlformats.org/officeDocument/2006/relationships" xmlns:p="http://schemas.openxmlformats.org/presentationml/2006/main">
   <p:cSld>
     <p:spTree>
       <p:nvGrpSpPr>
@@ -5177,6 +5219,11 @@
               </a:rPr>
               <a:t>Copyright © 2021 by Elephant Scale, All Rights Reserved</a:t>
             </a:r>
+            <a:endParaRPr sz="800">
+              <a:solidFill>
+                <a:srgbClr val="000000"/>
+              </a:solidFill>
+            </a:endParaRPr>
           </a:p>
         </p:txBody>
       </p:sp>
@@ -5189,7 +5236,7 @@
 </file>
 
 <file path=ppt/slides/slide32.xml><?xml version="1.0" encoding="utf-8"?>
-<p:sld xmlns:a="http://schemas.openxmlformats.org/drawingml/2006/main" xmlns:p="http://schemas.openxmlformats.org/presentationml/2006/main" xmlns:r="http://schemas.openxmlformats.org/officeDocument/2006/relationships">
+<p:sld xmlns:a="http://schemas.openxmlformats.org/drawingml/2006/main" xmlns:r="http://schemas.openxmlformats.org/officeDocument/2006/relationships" xmlns:p="http://schemas.openxmlformats.org/presentationml/2006/main">
   <p:cSld>
     <p:spTree>
       <p:nvGrpSpPr>
@@ -5280,6 +5327,11 @@
               </a:rPr>
               <a:t>Copyright © 2021 by Elephant Scale, All Rights Reserved</a:t>
             </a:r>
+            <a:endParaRPr sz="800">
+              <a:solidFill>
+                <a:srgbClr val="000000"/>
+              </a:solidFill>
+            </a:endParaRPr>
           </a:p>
         </p:txBody>
       </p:sp>
@@ -5292,7 +5344,7 @@
           <p:nvPr/>
         </p:nvPicPr>
         <p:blipFill>
-          <a:blip r:embed="rId2"/>
+          <a:blip r:embed="rId1"/>
           <a:stretch>
             <a:fillRect/>
           </a:stretch>
@@ -5316,7 +5368,7 @@
 </file>
 
 <file path=ppt/slides/slide33.xml><?xml version="1.0" encoding="utf-8"?>
-<p:sld xmlns:a="http://schemas.openxmlformats.org/drawingml/2006/main" xmlns:p="http://schemas.openxmlformats.org/presentationml/2006/main" xmlns:r="http://schemas.openxmlformats.org/officeDocument/2006/relationships">
+<p:sld xmlns:a="http://schemas.openxmlformats.org/drawingml/2006/main" xmlns:r="http://schemas.openxmlformats.org/officeDocument/2006/relationships" xmlns:p="http://schemas.openxmlformats.org/presentationml/2006/main">
   <p:cSld>
     <p:spTree>
       <p:nvGrpSpPr>
@@ -5363,7 +5415,7 @@
           <a:p>
             <a:r>
               <a:rPr>
-                <a:latin typeface="Courier New"/>
+                <a:latin typeface="Courier New" panose="02070309020205020404"/>
               </a:rPr>
               <a:t> id_token</a:t>
             </a:r>
@@ -5374,7 +5426,7 @@
           <a:p>
             <a:r>
               <a:rPr>
-                <a:latin typeface="Courier New"/>
+                <a:latin typeface="Courier New" panose="02070309020205020404"/>
               </a:rPr>
               <a:t> id_token</a:t>
             </a:r>
@@ -5390,7 +5442,7 @@
           <a:p>
             <a:r>
               <a:rPr>
-                <a:latin typeface="Courier New"/>
+                <a:latin typeface="Courier New" panose="02070309020205020404"/>
               </a:rPr>
               <a:t> UserInfo</a:t>
             </a:r>
@@ -5409,10 +5461,13 @@
             </a:r>
             <a:r>
               <a:rPr>
-                <a:latin typeface="Courier New"/>
+                <a:latin typeface="Courier New" panose="02070309020205020404"/>
               </a:rPr>
               <a:t> access_token</a:t>
             </a:r>
+            <a:endParaRPr>
+              <a:latin typeface="Courier New" panose="02070309020205020404"/>
+            </a:endParaRPr>
           </a:p>
         </p:txBody>
       </p:sp>
@@ -5446,6 +5501,11 @@
               </a:rPr>
               <a:t>Copyright © 2021 by Elephant Scale, All Rights Reserved</a:t>
             </a:r>
+            <a:endParaRPr sz="800">
+              <a:solidFill>
+                <a:srgbClr val="000000"/>
+              </a:solidFill>
+            </a:endParaRPr>
           </a:p>
         </p:txBody>
       </p:sp>
@@ -5458,7 +5518,7 @@
 </file>
 
 <file path=ppt/slides/slide34.xml><?xml version="1.0" encoding="utf-8"?>
-<p:sld xmlns:a="http://schemas.openxmlformats.org/drawingml/2006/main" xmlns:p="http://schemas.openxmlformats.org/presentationml/2006/main" xmlns:r="http://schemas.openxmlformats.org/officeDocument/2006/relationships">
+<p:sld xmlns:a="http://schemas.openxmlformats.org/drawingml/2006/main" xmlns:r="http://schemas.openxmlformats.org/officeDocument/2006/relationships" xmlns:p="http://schemas.openxmlformats.org/presentationml/2006/main">
   <p:cSld>
     <p:spTree>
       <p:nvGrpSpPr>
@@ -5552,6 +5612,11 @@
               </a:rPr>
               <a:t>Copyright © 2021 by Elephant Scale, All Rights Reserved</a:t>
             </a:r>
+            <a:endParaRPr sz="800">
+              <a:solidFill>
+                <a:srgbClr val="000000"/>
+              </a:solidFill>
+            </a:endParaRPr>
           </a:p>
         </p:txBody>
       </p:sp>
@@ -5564,7 +5629,7 @@
           <p:nvPr/>
         </p:nvPicPr>
         <p:blipFill>
-          <a:blip r:embed="rId2"/>
+          <a:blip r:embed="rId1"/>
           <a:stretch>
             <a:fillRect/>
           </a:stretch>
@@ -5588,7 +5653,7 @@
 </file>
 
 <file path=ppt/slides/slide35.xml><?xml version="1.0" encoding="utf-8"?>
-<p:sld xmlns:a="http://schemas.openxmlformats.org/drawingml/2006/main" xmlns:p="http://schemas.openxmlformats.org/presentationml/2006/main" xmlns:r="http://schemas.openxmlformats.org/officeDocument/2006/relationships">
+<p:sld xmlns:a="http://schemas.openxmlformats.org/drawingml/2006/main" xmlns:r="http://schemas.openxmlformats.org/officeDocument/2006/relationships" xmlns:p="http://schemas.openxmlformats.org/presentationml/2006/main">
   <p:cSld>
     <p:spTree>
       <p:nvGrpSpPr>
@@ -5638,7 +5703,7 @@
             </a:r>
             <a:r>
               <a:rPr>
-                <a:latin typeface="Courier New"/>
+                <a:latin typeface="Courier New" panose="02070309020205020404"/>
               </a:rPr>
               <a:t> identity</a:t>
             </a:r>
@@ -5647,7 +5712,7 @@
             </a:r>
             <a:r>
               <a:rPr>
-                <a:latin typeface="Courier New"/>
+                <a:latin typeface="Courier New" panose="02070309020205020404"/>
               </a:rPr>
               <a:t> OAuth 2.0</a:t>
             </a:r>
@@ -5722,6 +5787,11 @@
               </a:rPr>
               <a:t>Copyright © 2021 by Elephant Scale, All Rights Reserved</a:t>
             </a:r>
+            <a:endParaRPr sz="800">
+              <a:solidFill>
+                <a:srgbClr val="000000"/>
+              </a:solidFill>
+            </a:endParaRPr>
           </a:p>
         </p:txBody>
       </p:sp>
@@ -5734,7 +5804,7 @@
 </file>
 
 <file path=ppt/slides/slide36.xml><?xml version="1.0" encoding="utf-8"?>
-<p:sld xmlns:a="http://schemas.openxmlformats.org/drawingml/2006/main" xmlns:p="http://schemas.openxmlformats.org/presentationml/2006/main" xmlns:r="http://schemas.openxmlformats.org/officeDocument/2006/relationships">
+<p:sld xmlns:a="http://schemas.openxmlformats.org/drawingml/2006/main" xmlns:r="http://schemas.openxmlformats.org/officeDocument/2006/relationships" xmlns:p="http://schemas.openxmlformats.org/presentationml/2006/main">
   <p:cSld>
     <p:spTree>
       <p:nvGrpSpPr>
@@ -5851,6 +5921,11 @@
               </a:rPr>
               <a:t>Copyright © 2021 by Elephant Scale, All Rights Reserved</a:t>
             </a:r>
+            <a:endParaRPr sz="800">
+              <a:solidFill>
+                <a:srgbClr val="000000"/>
+              </a:solidFill>
+            </a:endParaRPr>
           </a:p>
         </p:txBody>
       </p:sp>
@@ -5863,7 +5938,7 @@
 </file>
 
 <file path=ppt/slides/slide37.xml><?xml version="1.0" encoding="utf-8"?>
-<p:sld xmlns:a="http://schemas.openxmlformats.org/drawingml/2006/main" xmlns:p="http://schemas.openxmlformats.org/presentationml/2006/main" xmlns:r="http://schemas.openxmlformats.org/officeDocument/2006/relationships">
+<p:sld xmlns:a="http://schemas.openxmlformats.org/drawingml/2006/main" xmlns:r="http://schemas.openxmlformats.org/officeDocument/2006/relationships" xmlns:p="http://schemas.openxmlformats.org/presentationml/2006/main">
   <p:cSld>
     <p:spTree>
       <p:nvGrpSpPr>
@@ -5879,7 +5954,7 @@
             <a:spLocks noGrp="1"/>
           </p:cNvSpPr>
           <p:nvPr>
-            <p:ph type="subTitle" idx="1" sz="quarter"/>
+            <p:ph type="subTitle" sz="quarter" idx="1"/>
           </p:nvPr>
         </p:nvSpPr>
         <p:spPr/>
@@ -5969,6 +6044,11 @@
               </a:rPr>
               <a:t>Copyright © 2021 by Elephant Scale, All Rights Reserved</a:t>
             </a:r>
+            <a:endParaRPr sz="800">
+              <a:solidFill>
+                <a:srgbClr val="000000"/>
+              </a:solidFill>
+            </a:endParaRPr>
           </a:p>
         </p:txBody>
       </p:sp>
@@ -5981,7 +6061,7 @@
 </file>
 
 <file path=ppt/slides/slide38.xml><?xml version="1.0" encoding="utf-8"?>
-<p:sld xmlns:a="http://schemas.openxmlformats.org/drawingml/2006/main" xmlns:p="http://schemas.openxmlformats.org/presentationml/2006/main" xmlns:r="http://schemas.openxmlformats.org/officeDocument/2006/relationships">
+<p:sld xmlns:a="http://schemas.openxmlformats.org/drawingml/2006/main" xmlns:r="http://schemas.openxmlformats.org/officeDocument/2006/relationships" xmlns:p="http://schemas.openxmlformats.org/presentationml/2006/main">
   <p:cSld>
     <p:spTree>
       <p:nvGrpSpPr>
@@ -6031,7 +6111,7 @@
             </a:r>
             <a:r>
               <a:rPr>
-                <a:latin typeface="Courier New"/>
+                <a:latin typeface="Courier New" panose="02070309020205020404"/>
               </a:rPr>
               <a:t> response_type</a:t>
             </a:r>
@@ -6086,6 +6166,11 @@
               </a:rPr>
               <a:t>Copyright © 2021 by Elephant Scale, All Rights Reserved</a:t>
             </a:r>
+            <a:endParaRPr sz="800">
+              <a:solidFill>
+                <a:srgbClr val="000000"/>
+              </a:solidFill>
+            </a:endParaRPr>
           </a:p>
         </p:txBody>
       </p:sp>
@@ -6098,7 +6183,7 @@
 </file>
 
 <file path=ppt/slides/slide39.xml><?xml version="1.0" encoding="utf-8"?>
-<p:sld xmlns:a="http://schemas.openxmlformats.org/drawingml/2006/main" xmlns:p="http://schemas.openxmlformats.org/presentationml/2006/main" xmlns:r="http://schemas.openxmlformats.org/officeDocument/2006/relationships">
+<p:sld xmlns:a="http://schemas.openxmlformats.org/drawingml/2006/main" xmlns:r="http://schemas.openxmlformats.org/officeDocument/2006/relationships" xmlns:p="http://schemas.openxmlformats.org/presentationml/2006/main">
   <p:cSld>
     <p:spTree>
       <p:nvGrpSpPr>
@@ -6148,7 +6233,7 @@
             </a:r>
             <a:r>
               <a:rPr>
-                <a:latin typeface="Courier New"/>
+                <a:latin typeface="Courier New" panose="02070309020205020404"/>
               </a:rPr>
               <a:t> JavaScript</a:t>
             </a:r>
@@ -6160,7 +6245,7 @@
             <a:pPr lvl="1"/>
             <a:r>
               <a:rPr>
-                <a:latin typeface="Courier New"/>
+                <a:latin typeface="Courier New" panose="02070309020205020404"/>
               </a:rPr>
               <a:t> oidc</a:t>
             </a:r>
@@ -6172,7 +6257,7 @@
             <a:pPr lvl="1"/>
             <a:r>
               <a:rPr>
-                <a:latin typeface="Courier New"/>
+                <a:latin typeface="Courier New" panose="02070309020205020404"/>
               </a:rPr>
               <a:t> oidc</a:t>
             </a:r>
@@ -6213,6 +6298,11 @@
               </a:rPr>
               <a:t>Copyright © 2021 by Elephant Scale, All Rights Reserved</a:t>
             </a:r>
+            <a:endParaRPr sz="800">
+              <a:solidFill>
+                <a:srgbClr val="000000"/>
+              </a:solidFill>
+            </a:endParaRPr>
           </a:p>
         </p:txBody>
       </p:sp>
@@ -6225,7 +6315,7 @@
           <p:nvPr/>
         </p:nvPicPr>
         <p:blipFill>
-          <a:blip r:embed="rId2"/>
+          <a:blip r:embed="rId1"/>
           <a:stretch>
             <a:fillRect/>
           </a:stretch>
@@ -6249,7 +6339,7 @@
 </file>
 
 <file path=ppt/slides/slide4.xml><?xml version="1.0" encoding="utf-8"?>
-<p:sld xmlns:a="http://schemas.openxmlformats.org/drawingml/2006/main" xmlns:p="http://schemas.openxmlformats.org/presentationml/2006/main" xmlns:r="http://schemas.openxmlformats.org/officeDocument/2006/relationships">
+<p:sld xmlns:a="http://schemas.openxmlformats.org/drawingml/2006/main" xmlns:r="http://schemas.openxmlformats.org/officeDocument/2006/relationships" xmlns:p="http://schemas.openxmlformats.org/presentationml/2006/main">
   <p:cSld>
     <p:spTree>
       <p:nvGrpSpPr>
@@ -6339,6 +6429,11 @@
               </a:rPr>
               <a:t>Copyright © 2021 by Elephant Scale, All Rights Reserved</a:t>
             </a:r>
+            <a:endParaRPr sz="800">
+              <a:solidFill>
+                <a:srgbClr val="000000"/>
+              </a:solidFill>
+            </a:endParaRPr>
           </a:p>
         </p:txBody>
       </p:sp>
@@ -6351,7 +6446,7 @@
           <p:nvPr/>
         </p:nvPicPr>
         <p:blipFill>
-          <a:blip r:embed="rId2"/>
+          <a:blip r:embed="rId1"/>
           <a:stretch>
             <a:fillRect/>
           </a:stretch>
@@ -6375,7 +6470,7 @@
 </file>
 
 <file path=ppt/slides/slide40.xml><?xml version="1.0" encoding="utf-8"?>
-<p:sld xmlns:a="http://schemas.openxmlformats.org/drawingml/2006/main" xmlns:p="http://schemas.openxmlformats.org/presentationml/2006/main" xmlns:r="http://schemas.openxmlformats.org/officeDocument/2006/relationships">
+<p:sld xmlns:a="http://schemas.openxmlformats.org/drawingml/2006/main" xmlns:r="http://schemas.openxmlformats.org/officeDocument/2006/relationships" xmlns:p="http://schemas.openxmlformats.org/presentationml/2006/main">
   <p:cSld>
     <p:spTree>
       <p:nvGrpSpPr>
@@ -6391,7 +6486,7 @@
             <a:spLocks noGrp="1"/>
           </p:cNvSpPr>
           <p:nvPr>
-            <p:ph type="subTitle" idx="1" sz="quarter"/>
+            <p:ph type="subTitle" sz="quarter" idx="1"/>
           </p:nvPr>
         </p:nvSpPr>
         <p:spPr/>
@@ -6481,6 +6576,11 @@
               </a:rPr>
               <a:t>Copyright © 2021 by Elephant Scale, All Rights Reserved</a:t>
             </a:r>
+            <a:endParaRPr sz="800">
+              <a:solidFill>
+                <a:srgbClr val="000000"/>
+              </a:solidFill>
+            </a:endParaRPr>
           </a:p>
         </p:txBody>
       </p:sp>
@@ -6493,7 +6593,7 @@
 </file>
 
 <file path=ppt/slides/slide41.xml><?xml version="1.0" encoding="utf-8"?>
-<p:sld xmlns:a="http://schemas.openxmlformats.org/drawingml/2006/main" xmlns:p="http://schemas.openxmlformats.org/presentationml/2006/main" xmlns:r="http://schemas.openxmlformats.org/officeDocument/2006/relationships">
+<p:sld xmlns:a="http://schemas.openxmlformats.org/drawingml/2006/main" xmlns:r="http://schemas.openxmlformats.org/officeDocument/2006/relationships" xmlns:p="http://schemas.openxmlformats.org/presentationml/2006/main">
   <p:cSld>
     <p:spTree>
       <p:nvGrpSpPr>
@@ -6583,6 +6683,11 @@
               </a:rPr>
               <a:t>Copyright © 2021 by Elephant Scale, All Rights Reserved</a:t>
             </a:r>
+            <a:endParaRPr sz="800">
+              <a:solidFill>
+                <a:srgbClr val="000000"/>
+              </a:solidFill>
+            </a:endParaRPr>
           </a:p>
         </p:txBody>
       </p:sp>
@@ -6595,7 +6700,7 @@
           <p:nvPr/>
         </p:nvPicPr>
         <p:blipFill>
-          <a:blip r:embed="rId2"/>
+          <a:blip r:embed="rId1"/>
           <a:stretch>
             <a:fillRect/>
           </a:stretch>
@@ -6619,7 +6724,7 @@
 </file>
 
 <file path=ppt/slides/slide42.xml><?xml version="1.0" encoding="utf-8"?>
-<p:sld xmlns:a="http://schemas.openxmlformats.org/drawingml/2006/main" xmlns:p="http://schemas.openxmlformats.org/presentationml/2006/main" xmlns:r="http://schemas.openxmlformats.org/officeDocument/2006/relationships">
+<p:sld xmlns:a="http://schemas.openxmlformats.org/drawingml/2006/main" xmlns:r="http://schemas.openxmlformats.org/officeDocument/2006/relationships" xmlns:p="http://schemas.openxmlformats.org/presentationml/2006/main">
   <p:cSld>
     <p:spTree>
       <p:nvGrpSpPr>
@@ -6710,6 +6815,11 @@
               </a:rPr>
               <a:t>Copyright © 2021 by Elephant Scale, All Rights Reserved</a:t>
             </a:r>
+            <a:endParaRPr sz="800">
+              <a:solidFill>
+                <a:srgbClr val="000000"/>
+              </a:solidFill>
+            </a:endParaRPr>
           </a:p>
         </p:txBody>
       </p:sp>
@@ -6722,7 +6832,7 @@
 </file>
 
 <file path=ppt/slides/slide43.xml><?xml version="1.0" encoding="utf-8"?>
-<p:sld xmlns:a="http://schemas.openxmlformats.org/drawingml/2006/main" xmlns:p="http://schemas.openxmlformats.org/presentationml/2006/main" xmlns:r="http://schemas.openxmlformats.org/officeDocument/2006/relationships">
+<p:sld xmlns:a="http://schemas.openxmlformats.org/drawingml/2006/main" xmlns:r="http://schemas.openxmlformats.org/officeDocument/2006/relationships" xmlns:p="http://schemas.openxmlformats.org/presentationml/2006/main">
   <p:cSld>
     <p:spTree>
       <p:nvGrpSpPr>
@@ -6738,7 +6848,7 @@
             <a:spLocks noGrp="1"/>
           </p:cNvSpPr>
           <p:nvPr>
-            <p:ph type="subTitle" idx="1" sz="quarter"/>
+            <p:ph type="subTitle" sz="quarter" idx="1"/>
           </p:nvPr>
         </p:nvSpPr>
         <p:spPr/>
@@ -6774,6 +6884,7 @@
               <a:t>Credentials
 </a:t>
             </a:r>
+            <a:endParaRPr b="1"/>
           </a:p>
         </p:txBody>
       </p:sp>
@@ -6828,6 +6939,11 @@
               </a:rPr>
               <a:t>Copyright © 2021 by Elephant Scale, All Rights Reserved</a:t>
             </a:r>
+            <a:endParaRPr sz="800">
+              <a:solidFill>
+                <a:srgbClr val="000000"/>
+              </a:solidFill>
+            </a:endParaRPr>
           </a:p>
         </p:txBody>
       </p:sp>
@@ -6840,7 +6956,7 @@
 </file>
 
 <file path=ppt/slides/slide44.xml><?xml version="1.0" encoding="utf-8"?>
-<p:sld xmlns:a="http://schemas.openxmlformats.org/drawingml/2006/main" xmlns:p="http://schemas.openxmlformats.org/presentationml/2006/main" xmlns:r="http://schemas.openxmlformats.org/officeDocument/2006/relationships">
+<p:sld xmlns:a="http://schemas.openxmlformats.org/drawingml/2006/main" xmlns:r="http://schemas.openxmlformats.org/officeDocument/2006/relationships" xmlns:p="http://schemas.openxmlformats.org/presentationml/2006/main">
   <p:cSld>
     <p:spTree>
       <p:nvGrpSpPr>
@@ -6930,6 +7046,11 @@
               </a:rPr>
               <a:t>Copyright © 2021 by Elephant Scale, All Rights Reserved</a:t>
             </a:r>
+            <a:endParaRPr sz="800">
+              <a:solidFill>
+                <a:srgbClr val="000000"/>
+              </a:solidFill>
+            </a:endParaRPr>
           </a:p>
         </p:txBody>
       </p:sp>
@@ -6942,7 +7063,7 @@
           <p:nvPr/>
         </p:nvPicPr>
         <p:blipFill>
-          <a:blip r:embed="rId2"/>
+          <a:blip r:embed="rId1"/>
           <a:stretch>
             <a:fillRect/>
           </a:stretch>
@@ -6966,7 +7087,7 @@
 </file>
 
 <file path=ppt/slides/slide45.xml><?xml version="1.0" encoding="utf-8"?>
-<p:sld xmlns:a="http://schemas.openxmlformats.org/drawingml/2006/main" xmlns:p="http://schemas.openxmlformats.org/presentationml/2006/main" xmlns:r="http://schemas.openxmlformats.org/officeDocument/2006/relationships">
+<p:sld xmlns:a="http://schemas.openxmlformats.org/drawingml/2006/main" xmlns:r="http://schemas.openxmlformats.org/officeDocument/2006/relationships" xmlns:p="http://schemas.openxmlformats.org/presentationml/2006/main">
   <p:cSld>
     <p:spTree>
       <p:nvGrpSpPr>
@@ -7031,7 +7152,7 @@
             </a:r>
             <a:r>
               <a:rPr>
-                <a:latin typeface="Courier New"/>
+                <a:latin typeface="Courier New" panose="02070309020205020404"/>
               </a:rPr>
               <a:t> acr_values</a:t>
             </a:r>
@@ -7077,6 +7198,11 @@
               </a:rPr>
               <a:t>Copyright © 2021 by Elephant Scale, All Rights Reserved</a:t>
             </a:r>
+            <a:endParaRPr sz="800">
+              <a:solidFill>
+                <a:srgbClr val="000000"/>
+              </a:solidFill>
+            </a:endParaRPr>
           </a:p>
         </p:txBody>
       </p:sp>
@@ -7089,7 +7215,7 @@
           <p:nvPr/>
         </p:nvPicPr>
         <p:blipFill>
-          <a:blip r:embed="rId2"/>
+          <a:blip r:embed="rId1"/>
           <a:stretch>
             <a:fillRect/>
           </a:stretch>
@@ -7113,7 +7239,7 @@
 </file>
 
 <file path=ppt/slides/slide46.xml><?xml version="1.0" encoding="utf-8"?>
-<p:sld xmlns:a="http://schemas.openxmlformats.org/drawingml/2006/main" xmlns:p="http://schemas.openxmlformats.org/presentationml/2006/main" xmlns:r="http://schemas.openxmlformats.org/officeDocument/2006/relationships">
+<p:sld xmlns:a="http://schemas.openxmlformats.org/drawingml/2006/main" xmlns:r="http://schemas.openxmlformats.org/officeDocument/2006/relationships" xmlns:p="http://schemas.openxmlformats.org/presentationml/2006/main">
   <p:cSld>
     <p:spTree>
       <p:nvGrpSpPr>
@@ -7165,7 +7291,12 @@
           <a:p/>
           <a:p>
             <a:r>
-              <a:t> Identity Manager</a:t>
+              <a:t> </a:t>
+            </a:r>
+          </a:p>
+          <a:p>
+            <a:r>
+              <a:t>Identity Manager</a:t>
             </a:r>
           </a:p>
           <a:p/>
@@ -7201,6 +7332,11 @@
               </a:rPr>
               <a:t>Copyright © 2021 by Elephant Scale, All Rights Reserved</a:t>
             </a:r>
+            <a:endParaRPr sz="800">
+              <a:solidFill>
+                <a:srgbClr val="000000"/>
+              </a:solidFill>
+            </a:endParaRPr>
           </a:p>
         </p:txBody>
       </p:sp>
@@ -7213,15 +7349,15 @@
           <p:nvPr/>
         </p:nvPicPr>
         <p:blipFill>
-          <a:blip r:embed="rId2"/>
+          <a:blip r:embed="rId1"/>
           <a:stretch>
             <a:fillRect/>
           </a:stretch>
         </p:blipFill>
         <p:spPr>
           <a:xfrm>
-            <a:off x="0" y="1353312"/>
-            <a:ext cx="10617200" cy="520700"/>
+            <a:off x="0" y="1634490"/>
+            <a:ext cx="9238615" cy="453390"/>
           </a:xfrm>
           <a:prstGeom prst="rect">
             <a:avLst/>
@@ -7237,14 +7373,14 @@
           <p:nvPr/>
         </p:nvPicPr>
         <p:blipFill>
-          <a:blip r:embed="rId3"/>
+          <a:blip r:embed="rId2"/>
           <a:stretch>
             <a:fillRect/>
           </a:stretch>
         </p:blipFill>
         <p:spPr>
           <a:xfrm>
-            <a:off x="0" y="2231136"/>
+            <a:off x="-38100" y="3005836"/>
             <a:ext cx="8331200" cy="520700"/>
           </a:xfrm>
           <a:prstGeom prst="rect">
@@ -7261,7 +7397,7 @@
 </file>
 
 <file path=ppt/slides/slide5.xml><?xml version="1.0" encoding="utf-8"?>
-<p:sld xmlns:a="http://schemas.openxmlformats.org/drawingml/2006/main" xmlns:p="http://schemas.openxmlformats.org/presentationml/2006/main" xmlns:r="http://schemas.openxmlformats.org/officeDocument/2006/relationships">
+<p:sld xmlns:a="http://schemas.openxmlformats.org/drawingml/2006/main" xmlns:r="http://schemas.openxmlformats.org/officeDocument/2006/relationships" xmlns:p="http://schemas.openxmlformats.org/presentationml/2006/main">
   <p:cSld>
     <p:spTree>
       <p:nvGrpSpPr>
@@ -7342,6 +7478,11 @@
               </a:rPr>
               <a:t>Copyright © 2021 by Elephant Scale, All Rights Reserved</a:t>
             </a:r>
+            <a:endParaRPr sz="800">
+              <a:solidFill>
+                <a:srgbClr val="000000"/>
+              </a:solidFill>
+            </a:endParaRPr>
           </a:p>
         </p:txBody>
       </p:sp>
@@ -7354,7 +7495,7 @@
           <p:nvPr/>
         </p:nvPicPr>
         <p:blipFill>
-          <a:blip r:embed="rId2"/>
+          <a:blip r:embed="rId1"/>
           <a:stretch>
             <a:fillRect/>
           </a:stretch>
@@ -7378,7 +7519,7 @@
 </file>
 
 <file path=ppt/slides/slide6.xml><?xml version="1.0" encoding="utf-8"?>
-<p:sld xmlns:a="http://schemas.openxmlformats.org/drawingml/2006/main" xmlns:p="http://schemas.openxmlformats.org/presentationml/2006/main" xmlns:r="http://schemas.openxmlformats.org/officeDocument/2006/relationships">
+<p:sld xmlns:a="http://schemas.openxmlformats.org/drawingml/2006/main" xmlns:r="http://schemas.openxmlformats.org/officeDocument/2006/relationships" xmlns:p="http://schemas.openxmlformats.org/presentationml/2006/main">
   <p:cSld>
     <p:spTree>
       <p:nvGrpSpPr>
@@ -7474,6 +7615,11 @@
               </a:rPr>
               <a:t>Copyright © 2021 by Elephant Scale, All Rights Reserved</a:t>
             </a:r>
+            <a:endParaRPr sz="800">
+              <a:solidFill>
+                <a:srgbClr val="000000"/>
+              </a:solidFill>
+            </a:endParaRPr>
           </a:p>
         </p:txBody>
       </p:sp>
@@ -7486,7 +7632,7 @@
 </file>
 
 <file path=ppt/slides/slide7.xml><?xml version="1.0" encoding="utf-8"?>
-<p:sld xmlns:a="http://schemas.openxmlformats.org/drawingml/2006/main" xmlns:p="http://schemas.openxmlformats.org/presentationml/2006/main" xmlns:r="http://schemas.openxmlformats.org/officeDocument/2006/relationships">
+<p:sld xmlns:a="http://schemas.openxmlformats.org/drawingml/2006/main" xmlns:r="http://schemas.openxmlformats.org/officeDocument/2006/relationships" xmlns:p="http://schemas.openxmlformats.org/presentationml/2006/main">
   <p:cSld>
     <p:spTree>
       <p:nvGrpSpPr>
@@ -7576,6 +7722,11 @@
               </a:rPr>
               <a:t>Copyright © 2021 by Elephant Scale, All Rights Reserved</a:t>
             </a:r>
+            <a:endParaRPr sz="800">
+              <a:solidFill>
+                <a:srgbClr val="000000"/>
+              </a:solidFill>
+            </a:endParaRPr>
           </a:p>
         </p:txBody>
       </p:sp>
@@ -7588,7 +7739,7 @@
           <p:nvPr/>
         </p:nvPicPr>
         <p:blipFill>
-          <a:blip r:embed="rId2"/>
+          <a:blip r:embed="rId1"/>
           <a:stretch>
             <a:fillRect/>
           </a:stretch>
@@ -7612,7 +7763,7 @@
 </file>
 
 <file path=ppt/slides/slide8.xml><?xml version="1.0" encoding="utf-8"?>
-<p:sld xmlns:a="http://schemas.openxmlformats.org/drawingml/2006/main" xmlns:p="http://schemas.openxmlformats.org/presentationml/2006/main" xmlns:r="http://schemas.openxmlformats.org/officeDocument/2006/relationships">
+<p:sld xmlns:a="http://schemas.openxmlformats.org/drawingml/2006/main" xmlns:r="http://schemas.openxmlformats.org/officeDocument/2006/relationships" xmlns:p="http://schemas.openxmlformats.org/presentationml/2006/main">
   <p:cSld>
     <p:spTree>
       <p:nvGrpSpPr>
@@ -7703,6 +7854,11 @@
               </a:rPr>
               <a:t>Copyright © 2021 by Elephant Scale, All Rights Reserved</a:t>
             </a:r>
+            <a:endParaRPr sz="800">
+              <a:solidFill>
+                <a:srgbClr val="000000"/>
+              </a:solidFill>
+            </a:endParaRPr>
           </a:p>
         </p:txBody>
       </p:sp>
@@ -7715,7 +7871,7 @@
 </file>
 
 <file path=ppt/slides/slide9.xml><?xml version="1.0" encoding="utf-8"?>
-<p:sld xmlns:a="http://schemas.openxmlformats.org/drawingml/2006/main" xmlns:p="http://schemas.openxmlformats.org/presentationml/2006/main" xmlns:r="http://schemas.openxmlformats.org/officeDocument/2006/relationships">
+<p:sld xmlns:a="http://schemas.openxmlformats.org/drawingml/2006/main" xmlns:r="http://schemas.openxmlformats.org/officeDocument/2006/relationships" xmlns:p="http://schemas.openxmlformats.org/presentationml/2006/main">
   <p:cSld>
     <p:spTree>
       <p:nvGrpSpPr>
@@ -7831,6 +7987,11 @@
               </a:rPr>
               <a:t>Copyright © 2021 by Elephant Scale, All Rights Reserved</a:t>
             </a:r>
+            <a:endParaRPr sz="800">
+              <a:solidFill>
+                <a:srgbClr val="000000"/>
+              </a:solidFill>
+            </a:endParaRPr>
           </a:p>
         </p:txBody>
       </p:sp>
@@ -8085,13 +8246,8 @@
           <a:headEnd type="none" w="med" len="med"/>
           <a:tailEnd type="none" w="med" len="med"/>
         </a:ln>
-        <a:effectLst/>
       </a:spPr>
-      <a:bodyPr vert="horz" wrap="square" lIns="91440" tIns="45720" rIns="91440" bIns="45720" numCol="1" anchor="t" anchorCtr="0" compatLnSpc="1">
-        <a:prstTxWarp prst="textNoShape">
-          <a:avLst/>
-        </a:prstTxWarp>
-      </a:bodyPr>
+      <a:bodyPr vert="horz" wrap="square" lIns="91440" tIns="45720" rIns="91440" bIns="45720" numCol="1" anchor="t" anchorCtr="0" compatLnSpc="1"/>
       <a:lstStyle>
         <a:defPPr marL="0" marR="0" indent="0" algn="ctr" defTabSz="914400" rtl="0" eaLnBrk="1" fontAlgn="base" latinLnBrk="0" hangingPunct="1">
           <a:lnSpc>
@@ -8107,7 +8263,6 @@
           <a:buSzTx/>
           <a:buFontTx/>
           <a:buNone/>
-          <a:tabLst/>
           <a:defRPr kumimoji="0" lang="en-US" sz="1000" b="0" i="0" u="none" strike="noStrike" cap="none" normalizeH="0" baseline="0">
             <a:ln>
               <a:noFill/>
@@ -8116,7 +8271,7 @@
               <a:schemeClr val="tx1"/>
             </a:solidFill>
             <a:effectLst/>
-            <a:latin typeface="Garamond" pitchFamily="-110" charset="0"/>
+            <a:latin typeface="Garamond" pitchFamily="18" charset="0"/>
           </a:defRPr>
         </a:defPPr>
       </a:lstStyle>
@@ -8147,13 +8302,8 @@
           <a:headEnd type="none" w="med" len="med"/>
           <a:tailEnd type="none" w="med" len="med"/>
         </a:ln>
-        <a:effectLst/>
       </a:spPr>
-      <a:bodyPr vert="horz" wrap="square" lIns="91440" tIns="45720" rIns="91440" bIns="45720" numCol="1" anchor="t" anchorCtr="0" compatLnSpc="1">
-        <a:prstTxWarp prst="textNoShape">
-          <a:avLst/>
-        </a:prstTxWarp>
-      </a:bodyPr>
+      <a:bodyPr vert="horz" wrap="square" lIns="91440" tIns="45720" rIns="91440" bIns="45720" numCol="1" anchor="t" anchorCtr="0" compatLnSpc="1"/>
       <a:lstStyle>
         <a:defPPr marL="0" marR="0" indent="0" algn="ctr" defTabSz="914400" rtl="0" eaLnBrk="1" fontAlgn="base" latinLnBrk="0" hangingPunct="1">
           <a:lnSpc>
@@ -8169,7 +8319,6 @@
           <a:buSzTx/>
           <a:buFontTx/>
           <a:buNone/>
-          <a:tabLst/>
           <a:defRPr kumimoji="0" lang="en-US" sz="1000" b="0" i="0" u="none" strike="noStrike" cap="none" normalizeH="0" baseline="0">
             <a:ln>
               <a:noFill/>
@@ -8178,7 +8327,7 @@
               <a:schemeClr val="tx1"/>
             </a:solidFill>
             <a:effectLst/>
-            <a:latin typeface="Garamond" pitchFamily="-110" charset="0"/>
+            <a:latin typeface="Garamond" pitchFamily="18" charset="0"/>
           </a:defRPr>
         </a:defPPr>
       </a:lstStyle>
@@ -8473,6 +8622,11 @@
       <a:clrMap bg1="dk2" tx1="lt1" bg2="dk1" tx2="lt2" accent1="accent1" accent2="accent2" accent3="accent3" accent4="accent4" accent5="accent5" accent6="accent6" hlink="hlink" folHlink="folHlink"/>
     </a:extraClrScheme>
   </a:extraClrSchemeLst>
+  <a:extLst>
+    <a:ext uri="{05A4C25C-085E-4340-85A3-A5531E510DB2}">
+      <thm15:themeFamily xmlns:thm15="http://schemas.microsoft.com/office/thememl/2012/main" name="Office Theme" id="{62F939B6-93AF-4DB8-9C6B-D6C7DFDC589F}" vid="{4A3C46E8-61CC-4603-A589-7422A47A8E4A}"/>
+    </a:ext>
+  </a:extLst>
 </a:theme>
 </file>
 
@@ -8790,7 +8944,11 @@
       </a:style>
     </a:lnDef>
   </a:objectDefaults>
-  <a:extraClrSchemeLst/>
+  <a:extLst>
+    <a:ext uri="{05A4C25C-085E-4340-85A3-A5531E510DB2}">
+      <thm15:themeFamily xmlns:thm15="http://schemas.microsoft.com/office/thememl/2012/main" name="Office Theme" id="{62F939B6-93AF-4DB8-9C6B-D6C7DFDC589F}" vid="{4A3C46E8-61CC-4603-A589-7422A47A8E4A}"/>
+    </a:ext>
+  </a:extLst>
 </a:theme>
 </file>
 
@@ -9108,6 +9266,10 @@
       </a:style>
     </a:lnDef>
   </a:objectDefaults>
-  <a:extraClrSchemeLst/>
+  <a:extLst>
+    <a:ext uri="{05A4C25C-085E-4340-85A3-A5531E510DB2}">
+      <thm15:themeFamily xmlns:thm15="http://schemas.microsoft.com/office/thememl/2012/main" name="Office Theme" id="{62F939B6-93AF-4DB8-9C6B-D6C7DFDC589F}" vid="{4A3C46E8-61CC-4603-A589-7422A47A8E4A}"/>
+    </a:ext>
+  </a:extLst>
 </a:theme>
 </file>